--- a/docs/docs_vs_code_iot_central/Lab_6_AzureRTOS_and_Inter-Core_Messaging/resources/Secure_IoT_with_Azure_Sphere_Azure_RTOS.pptx
+++ b/docs/docs_vs_code_iot_central/Lab_6_AzureRTOS_and_Inter-Core_Messaging/resources/Secure_IoT_with_Azure_Sphere_Azure_RTOS.pptx
@@ -4619,226 +4619,6 @@
       </p:sp>
       <p:sp>
         <p:nvSpPr>
-          <p:cNvPr id="18" name="Arrow: Right 17">
-            <a:extLst>
-              <a:ext uri="{FF2B5EF4-FFF2-40B4-BE49-F238E27FC236}">
-                <a16:creationId xmlns:a16="http://schemas.microsoft.com/office/drawing/2014/main" id="{17F6C807-66AE-4326-8F99-6DFAAC49E839}"/>
-              </a:ext>
-            </a:extLst>
-          </p:cNvPr>
-          <p:cNvSpPr/>
-          <p:nvPr/>
-        </p:nvSpPr>
-        <p:spPr>
-          <a:xfrm rot="10800000">
-            <a:off x="4153976" y="5317683"/>
-            <a:ext cx="1125793" cy="397165"/>
-          </a:xfrm>
-          <a:prstGeom prst="rightArrow">
-            <a:avLst/>
-          </a:prstGeom>
-          <a:gradFill flip="none" rotWithShape="1">
-            <a:gsLst>
-              <a:gs pos="0">
-                <a:schemeClr val="accent6">
-                  <a:lumMod val="60000"/>
-                  <a:lumOff val="40000"/>
-                  <a:shade val="30000"/>
-                  <a:satMod val="115000"/>
-                </a:schemeClr>
-              </a:gs>
-              <a:gs pos="50000">
-                <a:schemeClr val="accent6">
-                  <a:lumMod val="60000"/>
-                  <a:lumOff val="40000"/>
-                  <a:shade val="67500"/>
-                  <a:satMod val="115000"/>
-                </a:schemeClr>
-              </a:gs>
-              <a:gs pos="100000">
-                <a:schemeClr val="accent6">
-                  <a:lumMod val="60000"/>
-                  <a:lumOff val="40000"/>
-                  <a:shade val="100000"/>
-                  <a:satMod val="115000"/>
-                </a:schemeClr>
-              </a:gs>
-            </a:gsLst>
-            <a:lin ang="2700000" scaled="1"/>
-            <a:tileRect/>
-          </a:gradFill>
-          <a:ln>
-            <a:solidFill>
-              <a:srgbClr val="92D050"/>
-            </a:solidFill>
-          </a:ln>
-        </p:spPr>
-        <p:style>
-          <a:lnRef idx="2">
-            <a:schemeClr val="accent1">
-              <a:shade val="50000"/>
-            </a:schemeClr>
-          </a:lnRef>
-          <a:fillRef idx="1">
-            <a:schemeClr val="accent1"/>
-          </a:fillRef>
-          <a:effectRef idx="0">
-            <a:schemeClr val="accent1"/>
-          </a:effectRef>
-          <a:fontRef idx="minor">
-            <a:schemeClr val="lt1"/>
-          </a:fontRef>
-        </p:style>
-        <p:txBody>
-          <a:bodyPr rtlCol="0" anchor="ctr"/>
-          <a:lstStyle/>
-          <a:p>
-            <a:pPr marL="0" marR="0" lvl="0" indent="0" algn="ctr" defTabSz="914400" rtl="0" eaLnBrk="1" fontAlgn="auto" latinLnBrk="0" hangingPunct="1">
-              <a:lnSpc>
-                <a:spcPct val="100000"/>
-              </a:lnSpc>
-              <a:spcBef>
-                <a:spcPts val="0"/>
-              </a:spcBef>
-              <a:spcAft>
-                <a:spcPts val="0"/>
-              </a:spcAft>
-              <a:buClrTx/>
-              <a:buSzTx/>
-              <a:buFontTx/>
-              <a:buNone/>
-              <a:tabLst/>
-              <a:defRPr/>
-            </a:pPr>
-            <a:endParaRPr kumimoji="0" lang="en-AU" sz="1800" b="0" i="0" u="none" strike="noStrike" kern="1200" cap="none" spc="0" normalizeH="0" baseline="0" noProof="0">
-              <a:ln>
-                <a:noFill/>
-              </a:ln>
-              <a:solidFill>
-                <a:prstClr val="white"/>
-              </a:solidFill>
-              <a:effectLst/>
-              <a:uLnTx/>
-              <a:uFillTx/>
-              <a:latin typeface="Calibri" panose="020F0502020204030204"/>
-              <a:ea typeface="+mn-ea"/>
-              <a:cs typeface="+mn-cs"/>
-            </a:endParaRPr>
-          </a:p>
-        </p:txBody>
-      </p:sp>
-      <p:sp>
-        <p:nvSpPr>
-          <p:cNvPr id="21" name="Arrow: Right 20">
-            <a:extLst>
-              <a:ext uri="{FF2B5EF4-FFF2-40B4-BE49-F238E27FC236}">
-                <a16:creationId xmlns:a16="http://schemas.microsoft.com/office/drawing/2014/main" id="{CF3C112B-847E-42BF-82BA-AF3306EF4EC2}"/>
-              </a:ext>
-            </a:extLst>
-          </p:cNvPr>
-          <p:cNvSpPr/>
-          <p:nvPr/>
-        </p:nvSpPr>
-        <p:spPr>
-          <a:xfrm>
-            <a:off x="4153975" y="4210244"/>
-            <a:ext cx="1118931" cy="397165"/>
-          </a:xfrm>
-          <a:prstGeom prst="rightArrow">
-            <a:avLst/>
-          </a:prstGeom>
-          <a:gradFill flip="none" rotWithShape="1">
-            <a:gsLst>
-              <a:gs pos="0">
-                <a:schemeClr val="accent6">
-                  <a:lumMod val="60000"/>
-                  <a:lumOff val="40000"/>
-                  <a:shade val="30000"/>
-                  <a:satMod val="115000"/>
-                </a:schemeClr>
-              </a:gs>
-              <a:gs pos="50000">
-                <a:schemeClr val="accent6">
-                  <a:lumMod val="60000"/>
-                  <a:lumOff val="40000"/>
-                  <a:shade val="67500"/>
-                  <a:satMod val="115000"/>
-                </a:schemeClr>
-              </a:gs>
-              <a:gs pos="100000">
-                <a:schemeClr val="accent6">
-                  <a:lumMod val="60000"/>
-                  <a:lumOff val="40000"/>
-                  <a:shade val="100000"/>
-                  <a:satMod val="115000"/>
-                </a:schemeClr>
-              </a:gs>
-            </a:gsLst>
-            <a:lin ang="2700000" scaled="1"/>
-            <a:tileRect/>
-          </a:gradFill>
-          <a:ln>
-            <a:solidFill>
-              <a:srgbClr val="92D050"/>
-            </a:solidFill>
-          </a:ln>
-        </p:spPr>
-        <p:style>
-          <a:lnRef idx="2">
-            <a:schemeClr val="accent1">
-              <a:shade val="50000"/>
-            </a:schemeClr>
-          </a:lnRef>
-          <a:fillRef idx="1">
-            <a:schemeClr val="accent1"/>
-          </a:fillRef>
-          <a:effectRef idx="0">
-            <a:schemeClr val="accent1"/>
-          </a:effectRef>
-          <a:fontRef idx="minor">
-            <a:schemeClr val="lt1"/>
-          </a:fontRef>
-        </p:style>
-        <p:txBody>
-          <a:bodyPr rtlCol="0" anchor="ctr"/>
-          <a:lstStyle/>
-          <a:p>
-            <a:pPr marL="0" marR="0" lvl="0" indent="0" algn="ctr" defTabSz="914400" rtl="0" eaLnBrk="1" fontAlgn="auto" latinLnBrk="0" hangingPunct="1">
-              <a:lnSpc>
-                <a:spcPct val="100000"/>
-              </a:lnSpc>
-              <a:spcBef>
-                <a:spcPts val="0"/>
-              </a:spcBef>
-              <a:spcAft>
-                <a:spcPts val="0"/>
-              </a:spcAft>
-              <a:buClrTx/>
-              <a:buSzTx/>
-              <a:buFontTx/>
-              <a:buNone/>
-              <a:tabLst/>
-              <a:defRPr/>
-            </a:pPr>
-            <a:endParaRPr kumimoji="0" lang="en-AU" sz="1800" b="0" i="0" u="none" strike="noStrike" kern="1200" cap="none" spc="0" normalizeH="0" baseline="0" noProof="0">
-              <a:ln>
-                <a:noFill/>
-              </a:ln>
-              <a:solidFill>
-                <a:prstClr val="white"/>
-              </a:solidFill>
-              <a:effectLst/>
-              <a:uLnTx/>
-              <a:uFillTx/>
-              <a:latin typeface="Calibri" panose="020F0502020204030204"/>
-              <a:ea typeface="+mn-ea"/>
-              <a:cs typeface="+mn-cs"/>
-            </a:endParaRPr>
-          </a:p>
-        </p:txBody>
-      </p:sp>
-      <p:sp>
-        <p:nvSpPr>
           <p:cNvPr id="22" name="Title 21">
             <a:extLst>
               <a:ext uri="{FF2B5EF4-FFF2-40B4-BE49-F238E27FC236}">
@@ -5856,92 +5636,6 @@
           </a:p>
         </p:txBody>
       </p:sp>
-      <p:sp>
-        <p:nvSpPr>
-          <p:cNvPr id="7" name="Arrow: Bent 6">
-            <a:extLst>
-              <a:ext uri="{FF2B5EF4-FFF2-40B4-BE49-F238E27FC236}">
-                <a16:creationId xmlns:a16="http://schemas.microsoft.com/office/drawing/2014/main" id="{973FCAE7-6B16-4FA8-B7B8-7E6D61014F7F}"/>
-              </a:ext>
-            </a:extLst>
-          </p:cNvPr>
-          <p:cNvSpPr/>
-          <p:nvPr/>
-        </p:nvSpPr>
-        <p:spPr>
-          <a:xfrm rot="16200000">
-            <a:off x="-827363" y="3235105"/>
-            <a:ext cx="3786007" cy="805740"/>
-          </a:xfrm>
-          <a:prstGeom prst="bentArrow">
-            <a:avLst/>
-          </a:prstGeom>
-          <a:gradFill flip="none" rotWithShape="1">
-            <a:gsLst>
-              <a:gs pos="0">
-                <a:schemeClr val="accent6">
-                  <a:lumMod val="60000"/>
-                  <a:lumOff val="40000"/>
-                  <a:shade val="30000"/>
-                  <a:satMod val="115000"/>
-                </a:schemeClr>
-              </a:gs>
-              <a:gs pos="50000">
-                <a:schemeClr val="accent6">
-                  <a:lumMod val="60000"/>
-                  <a:lumOff val="40000"/>
-                  <a:shade val="67500"/>
-                  <a:satMod val="115000"/>
-                </a:schemeClr>
-              </a:gs>
-              <a:gs pos="100000">
-                <a:schemeClr val="accent6">
-                  <a:lumMod val="60000"/>
-                  <a:lumOff val="40000"/>
-                  <a:shade val="100000"/>
-                  <a:satMod val="115000"/>
-                </a:schemeClr>
-              </a:gs>
-            </a:gsLst>
-            <a:lin ang="2700000" scaled="1"/>
-            <a:tileRect/>
-          </a:gradFill>
-          <a:ln>
-            <a:solidFill>
-              <a:srgbClr val="92D050"/>
-            </a:solidFill>
-          </a:ln>
-        </p:spPr>
-        <p:style>
-          <a:lnRef idx="2">
-            <a:schemeClr val="accent1">
-              <a:shade val="50000"/>
-            </a:schemeClr>
-          </a:lnRef>
-          <a:fillRef idx="1">
-            <a:schemeClr val="accent1"/>
-          </a:fillRef>
-          <a:effectRef idx="0">
-            <a:schemeClr val="accent1"/>
-          </a:effectRef>
-          <a:fontRef idx="minor">
-            <a:schemeClr val="lt1"/>
-          </a:fontRef>
-        </p:style>
-        <p:txBody>
-          <a:bodyPr rtlCol="0" anchor="ctr"/>
-          <a:lstStyle/>
-          <a:p>
-            <a:pPr algn="ctr"/>
-            <a:endParaRPr lang="en-AU">
-              <a:solidFill>
-                <a:prstClr val="white"/>
-              </a:solidFill>
-              <a:latin typeface="Calibri" panose="020F0502020204030204"/>
-            </a:endParaRPr>
-          </a:p>
-        </p:txBody>
-      </p:sp>
       <p:pic>
         <p:nvPicPr>
           <p:cNvPr id="8" name="Picture 7">
@@ -6019,178 +5713,894 @@
           </a:prstGeom>
         </p:spPr>
       </p:pic>
-      <p:sp>
-        <p:nvSpPr>
-          <p:cNvPr id="10" name="Arrow: Right 9">
-            <a:extLst>
-              <a:ext uri="{FF2B5EF4-FFF2-40B4-BE49-F238E27FC236}">
-                <a16:creationId xmlns:a16="http://schemas.microsoft.com/office/drawing/2014/main" id="{FACD1BD7-316E-4881-A9A1-792627EB090A}"/>
-              </a:ext>
-            </a:extLst>
-          </p:cNvPr>
-          <p:cNvSpPr/>
+      <p:grpSp>
+        <p:nvGrpSpPr>
+          <p:cNvPr id="32" name="Group 31">
+            <a:extLst>
+              <a:ext uri="{FF2B5EF4-FFF2-40B4-BE49-F238E27FC236}">
+                <a16:creationId xmlns:a16="http://schemas.microsoft.com/office/drawing/2014/main" id="{C9BD8155-0305-4976-8F6E-ABBB7518EA59}"/>
+              </a:ext>
+            </a:extLst>
+          </p:cNvPr>
+          <p:cNvGrpSpPr/>
           <p:nvPr/>
-        </p:nvSpPr>
-        <p:spPr>
+        </p:nvGrpSpPr>
+        <p:grpSpPr>
+          <a:xfrm>
+            <a:off x="4153975" y="4210244"/>
+            <a:ext cx="1118931" cy="397165"/>
+            <a:chOff x="4153975" y="4210244"/>
+            <a:chExt cx="1118931" cy="397165"/>
+          </a:xfrm>
+        </p:grpSpPr>
+        <p:sp>
+          <p:nvSpPr>
+            <p:cNvPr id="21" name="Arrow: Right 20">
+              <a:extLst>
+                <a:ext uri="{FF2B5EF4-FFF2-40B4-BE49-F238E27FC236}">
+                  <a16:creationId xmlns:a16="http://schemas.microsoft.com/office/drawing/2014/main" id="{CF3C112B-847E-42BF-82BA-AF3306EF4EC2}"/>
+                </a:ext>
+              </a:extLst>
+            </p:cNvPr>
+            <p:cNvSpPr/>
+            <p:nvPr/>
+          </p:nvSpPr>
+          <p:spPr>
+            <a:xfrm>
+              <a:off x="4153975" y="4210244"/>
+              <a:ext cx="1118931" cy="397165"/>
+            </a:xfrm>
+            <a:prstGeom prst="rightArrow">
+              <a:avLst/>
+            </a:prstGeom>
+            <a:gradFill flip="none" rotWithShape="1">
+              <a:gsLst>
+                <a:gs pos="0">
+                  <a:schemeClr val="accent6">
+                    <a:lumMod val="60000"/>
+                    <a:lumOff val="40000"/>
+                    <a:shade val="30000"/>
+                    <a:satMod val="115000"/>
+                  </a:schemeClr>
+                </a:gs>
+                <a:gs pos="50000">
+                  <a:schemeClr val="accent6">
+                    <a:lumMod val="60000"/>
+                    <a:lumOff val="40000"/>
+                    <a:shade val="67500"/>
+                    <a:satMod val="115000"/>
+                  </a:schemeClr>
+                </a:gs>
+                <a:gs pos="100000">
+                  <a:schemeClr val="accent6">
+                    <a:lumMod val="60000"/>
+                    <a:lumOff val="40000"/>
+                    <a:shade val="100000"/>
+                    <a:satMod val="115000"/>
+                  </a:schemeClr>
+                </a:gs>
+              </a:gsLst>
+              <a:lin ang="2700000" scaled="1"/>
+              <a:tileRect/>
+            </a:gradFill>
+            <a:ln>
+              <a:solidFill>
+                <a:srgbClr val="92D050"/>
+              </a:solidFill>
+            </a:ln>
+          </p:spPr>
+          <p:style>
+            <a:lnRef idx="2">
+              <a:schemeClr val="accent1">
+                <a:shade val="50000"/>
+              </a:schemeClr>
+            </a:lnRef>
+            <a:fillRef idx="1">
+              <a:schemeClr val="accent1"/>
+            </a:fillRef>
+            <a:effectRef idx="0">
+              <a:schemeClr val="accent1"/>
+            </a:effectRef>
+            <a:fontRef idx="minor">
+              <a:schemeClr val="lt1"/>
+            </a:fontRef>
+          </p:style>
+          <p:txBody>
+            <a:bodyPr rtlCol="0" anchor="ctr"/>
+            <a:lstStyle/>
+            <a:p>
+              <a:pPr marL="0" marR="0" lvl="0" indent="0" algn="ctr" defTabSz="914400" rtl="0" eaLnBrk="1" fontAlgn="auto" latinLnBrk="0" hangingPunct="1">
+                <a:lnSpc>
+                  <a:spcPct val="100000"/>
+                </a:lnSpc>
+                <a:spcBef>
+                  <a:spcPts val="0"/>
+                </a:spcBef>
+                <a:spcAft>
+                  <a:spcPts val="0"/>
+                </a:spcAft>
+                <a:buClrTx/>
+                <a:buSzTx/>
+                <a:buFontTx/>
+                <a:buNone/>
+                <a:tabLst/>
+                <a:defRPr/>
+              </a:pPr>
+              <a:endParaRPr kumimoji="0" lang="en-AU" sz="1800" b="0" i="0" u="none" strike="noStrike" kern="1200" cap="none" spc="0" normalizeH="0" baseline="0" noProof="0">
+                <a:ln>
+                  <a:noFill/>
+                </a:ln>
+                <a:solidFill>
+                  <a:prstClr val="white"/>
+                </a:solidFill>
+                <a:effectLst/>
+                <a:uLnTx/>
+                <a:uFillTx/>
+                <a:latin typeface="Calibri" panose="020F0502020204030204"/>
+                <a:ea typeface="+mn-ea"/>
+                <a:cs typeface="+mn-cs"/>
+              </a:endParaRPr>
+            </a:p>
+          </p:txBody>
+        </p:sp>
+        <p:sp>
+          <p:nvSpPr>
+            <p:cNvPr id="12" name="Oval 11">
+              <a:extLst>
+                <a:ext uri="{FF2B5EF4-FFF2-40B4-BE49-F238E27FC236}">
+                  <a16:creationId xmlns:a16="http://schemas.microsoft.com/office/drawing/2014/main" id="{248D7113-835B-4885-AEB4-350943EF37FD}"/>
+                </a:ext>
+              </a:extLst>
+            </p:cNvPr>
+            <p:cNvSpPr/>
+            <p:nvPr/>
+          </p:nvSpPr>
+          <p:spPr>
+            <a:xfrm>
+              <a:off x="4552234" y="4314760"/>
+              <a:ext cx="205567" cy="199142"/>
+            </a:xfrm>
+            <a:prstGeom prst="ellipse">
+              <a:avLst/>
+            </a:prstGeom>
+            <a:solidFill>
+              <a:schemeClr val="accent5">
+                <a:lumMod val="75000"/>
+              </a:schemeClr>
+            </a:solidFill>
+          </p:spPr>
+          <p:style>
+            <a:lnRef idx="2">
+              <a:schemeClr val="accent1">
+                <a:shade val="50000"/>
+              </a:schemeClr>
+            </a:lnRef>
+            <a:fillRef idx="1">
+              <a:schemeClr val="accent1"/>
+            </a:fillRef>
+            <a:effectRef idx="0">
+              <a:schemeClr val="accent1"/>
+            </a:effectRef>
+            <a:fontRef idx="minor">
+              <a:schemeClr val="lt1"/>
+            </a:fontRef>
+          </p:style>
+          <p:txBody>
+            <a:bodyPr rtlCol="0" anchor="ctr"/>
+            <a:lstStyle/>
+            <a:p>
+              <a:pPr algn="ctr"/>
+              <a:r>
+                <a:rPr lang="en-AU" sz="1100" dirty="0">
+                  <a:solidFill>
+                    <a:schemeClr val="bg1"/>
+                  </a:solidFill>
+                  <a:latin typeface="Verdana" panose="020B0604030504040204" pitchFamily="34" charset="0"/>
+                  <a:ea typeface="Verdana" panose="020B0604030504040204" pitchFamily="34" charset="0"/>
+                  <a:cs typeface="Tahoma" panose="020B0604030504040204" pitchFamily="34" charset="0"/>
+                </a:rPr>
+                <a:t>1</a:t>
+              </a:r>
+            </a:p>
+          </p:txBody>
+        </p:sp>
+      </p:grpSp>
+      <p:grpSp>
+        <p:nvGrpSpPr>
+          <p:cNvPr id="34" name="Group 33">
+            <a:extLst>
+              <a:ext uri="{FF2B5EF4-FFF2-40B4-BE49-F238E27FC236}">
+                <a16:creationId xmlns:a16="http://schemas.microsoft.com/office/drawing/2014/main" id="{9C884C86-B34E-4FBC-A624-E4B2DB9DCFFD}"/>
+              </a:ext>
+            </a:extLst>
+          </p:cNvPr>
+          <p:cNvGrpSpPr/>
+          <p:nvPr/>
+        </p:nvGrpSpPr>
+        <p:grpSpPr>
           <a:xfrm>
             <a:off x="6919093" y="3959684"/>
             <a:ext cx="1093318" cy="374422"/>
+            <a:chOff x="6919093" y="3959684"/>
+            <a:chExt cx="1093318" cy="374422"/>
           </a:xfrm>
-          <a:prstGeom prst="rightArrow">
-            <a:avLst/>
-          </a:prstGeom>
-          <a:gradFill flip="none" rotWithShape="1">
-            <a:gsLst>
-              <a:gs pos="0">
-                <a:schemeClr val="accent6">
-                  <a:lumMod val="60000"/>
-                  <a:lumOff val="40000"/>
-                  <a:shade val="30000"/>
-                  <a:satMod val="115000"/>
-                </a:schemeClr>
-              </a:gs>
-              <a:gs pos="50000">
-                <a:schemeClr val="accent6">
-                  <a:lumMod val="60000"/>
-                  <a:lumOff val="40000"/>
-                  <a:shade val="67500"/>
-                  <a:satMod val="115000"/>
-                </a:schemeClr>
-              </a:gs>
-              <a:gs pos="100000">
-                <a:schemeClr val="accent6">
-                  <a:lumMod val="60000"/>
-                  <a:lumOff val="40000"/>
-                  <a:shade val="100000"/>
-                  <a:satMod val="115000"/>
-                </a:schemeClr>
-              </a:gs>
-            </a:gsLst>
-            <a:lin ang="2700000" scaled="1"/>
-            <a:tileRect/>
-          </a:gradFill>
-          <a:ln>
+        </p:grpSpPr>
+        <p:sp>
+          <p:nvSpPr>
+            <p:cNvPr id="10" name="Arrow: Right 9">
+              <a:extLst>
+                <a:ext uri="{FF2B5EF4-FFF2-40B4-BE49-F238E27FC236}">
+                  <a16:creationId xmlns:a16="http://schemas.microsoft.com/office/drawing/2014/main" id="{FACD1BD7-316E-4881-A9A1-792627EB090A}"/>
+                </a:ext>
+              </a:extLst>
+            </p:cNvPr>
+            <p:cNvSpPr/>
+            <p:nvPr/>
+          </p:nvSpPr>
+          <p:spPr>
+            <a:xfrm>
+              <a:off x="6919093" y="3959684"/>
+              <a:ext cx="1093318" cy="374422"/>
+            </a:xfrm>
+            <a:prstGeom prst="rightArrow">
+              <a:avLst/>
+            </a:prstGeom>
+            <a:gradFill flip="none" rotWithShape="1">
+              <a:gsLst>
+                <a:gs pos="0">
+                  <a:schemeClr val="accent6">
+                    <a:lumMod val="60000"/>
+                    <a:lumOff val="40000"/>
+                    <a:shade val="30000"/>
+                    <a:satMod val="115000"/>
+                  </a:schemeClr>
+                </a:gs>
+                <a:gs pos="50000">
+                  <a:schemeClr val="accent6">
+                    <a:lumMod val="60000"/>
+                    <a:lumOff val="40000"/>
+                    <a:shade val="67500"/>
+                    <a:satMod val="115000"/>
+                  </a:schemeClr>
+                </a:gs>
+                <a:gs pos="100000">
+                  <a:schemeClr val="accent6">
+                    <a:lumMod val="60000"/>
+                    <a:lumOff val="40000"/>
+                    <a:shade val="100000"/>
+                    <a:satMod val="115000"/>
+                  </a:schemeClr>
+                </a:gs>
+              </a:gsLst>
+              <a:lin ang="2700000" scaled="1"/>
+              <a:tileRect/>
+            </a:gradFill>
+            <a:ln>
+              <a:solidFill>
+                <a:srgbClr val="92D050"/>
+              </a:solidFill>
+            </a:ln>
+          </p:spPr>
+          <p:style>
+            <a:lnRef idx="2">
+              <a:schemeClr val="accent1">
+                <a:shade val="50000"/>
+              </a:schemeClr>
+            </a:lnRef>
+            <a:fillRef idx="1">
+              <a:schemeClr val="accent1"/>
+            </a:fillRef>
+            <a:effectRef idx="0">
+              <a:schemeClr val="accent1"/>
+            </a:effectRef>
+            <a:fontRef idx="minor">
+              <a:schemeClr val="lt1"/>
+            </a:fontRef>
+          </p:style>
+          <p:txBody>
+            <a:bodyPr rtlCol="0" anchor="ctr"/>
+            <a:lstStyle/>
+            <a:p>
+              <a:pPr algn="ctr"/>
+              <a:endParaRPr lang="en-AU">
+                <a:solidFill>
+                  <a:prstClr val="white"/>
+                </a:solidFill>
+                <a:latin typeface="Calibri" panose="020F0502020204030204"/>
+              </a:endParaRPr>
+            </a:p>
+          </p:txBody>
+        </p:sp>
+        <p:sp>
+          <p:nvSpPr>
+            <p:cNvPr id="16" name="Oval 15">
+              <a:extLst>
+                <a:ext uri="{FF2B5EF4-FFF2-40B4-BE49-F238E27FC236}">
+                  <a16:creationId xmlns:a16="http://schemas.microsoft.com/office/drawing/2014/main" id="{69A9CAAB-7157-4E42-B5D6-888B9ED81983}"/>
+                </a:ext>
+              </a:extLst>
+            </p:cNvPr>
+            <p:cNvSpPr/>
+            <p:nvPr/>
+          </p:nvSpPr>
+          <p:spPr>
+            <a:xfrm>
+              <a:off x="7321848" y="4047324"/>
+              <a:ext cx="205567" cy="199142"/>
+            </a:xfrm>
+            <a:prstGeom prst="ellipse">
+              <a:avLst/>
+            </a:prstGeom>
             <a:solidFill>
-              <a:srgbClr val="92D050"/>
+              <a:schemeClr val="accent5">
+                <a:lumMod val="75000"/>
+              </a:schemeClr>
             </a:solidFill>
-          </a:ln>
-        </p:spPr>
-        <p:style>
-          <a:lnRef idx="2">
-            <a:schemeClr val="accent1">
-              <a:shade val="50000"/>
-            </a:schemeClr>
-          </a:lnRef>
-          <a:fillRef idx="1">
-            <a:schemeClr val="accent1"/>
-          </a:fillRef>
-          <a:effectRef idx="0">
-            <a:schemeClr val="accent1"/>
-          </a:effectRef>
-          <a:fontRef idx="minor">
-            <a:schemeClr val="lt1"/>
-          </a:fontRef>
-        </p:style>
-        <p:txBody>
-          <a:bodyPr rtlCol="0" anchor="ctr"/>
-          <a:lstStyle/>
-          <a:p>
-            <a:pPr algn="ctr"/>
-            <a:endParaRPr lang="en-AU">
-              <a:solidFill>
-                <a:prstClr val="white"/>
-              </a:solidFill>
-              <a:latin typeface="Calibri" panose="020F0502020204030204"/>
-            </a:endParaRPr>
-          </a:p>
-        </p:txBody>
-      </p:sp>
-      <p:sp>
-        <p:nvSpPr>
-          <p:cNvPr id="11" name="Arrow: Right 10">
-            <a:extLst>
-              <a:ext uri="{FF2B5EF4-FFF2-40B4-BE49-F238E27FC236}">
-                <a16:creationId xmlns:a16="http://schemas.microsoft.com/office/drawing/2014/main" id="{D005DA57-D162-4264-A3B0-0D808974B935}"/>
-              </a:ext>
-            </a:extLst>
-          </p:cNvPr>
-          <p:cNvSpPr/>
+          </p:spPr>
+          <p:style>
+            <a:lnRef idx="2">
+              <a:schemeClr val="accent1">
+                <a:shade val="50000"/>
+              </a:schemeClr>
+            </a:lnRef>
+            <a:fillRef idx="1">
+              <a:schemeClr val="accent1"/>
+            </a:fillRef>
+            <a:effectRef idx="0">
+              <a:schemeClr val="accent1"/>
+            </a:effectRef>
+            <a:fontRef idx="minor">
+              <a:schemeClr val="lt1"/>
+            </a:fontRef>
+          </p:style>
+          <p:txBody>
+            <a:bodyPr rtlCol="0" anchor="ctr"/>
+            <a:lstStyle/>
+            <a:p>
+              <a:pPr algn="ctr"/>
+              <a:r>
+                <a:rPr lang="en-AU" sz="1100" dirty="0">
+                  <a:solidFill>
+                    <a:schemeClr val="bg1"/>
+                  </a:solidFill>
+                  <a:latin typeface="Verdana" panose="020B0604030504040204" pitchFamily="34" charset="0"/>
+                  <a:ea typeface="Verdana" panose="020B0604030504040204" pitchFamily="34" charset="0"/>
+                  <a:cs typeface="Tahoma" panose="020B0604030504040204" pitchFamily="34" charset="0"/>
+                </a:rPr>
+                <a:t>2</a:t>
+              </a:r>
+            </a:p>
+          </p:txBody>
+        </p:sp>
+      </p:grpSp>
+      <p:grpSp>
+        <p:nvGrpSpPr>
+          <p:cNvPr id="40" name="Group 39">
+            <a:extLst>
+              <a:ext uri="{FF2B5EF4-FFF2-40B4-BE49-F238E27FC236}">
+                <a16:creationId xmlns:a16="http://schemas.microsoft.com/office/drawing/2014/main" id="{3BD597AA-7509-45D7-A01B-FE911EFF7336}"/>
+              </a:ext>
+            </a:extLst>
+          </p:cNvPr>
+          <p:cNvGrpSpPr/>
           <p:nvPr/>
-        </p:nvSpPr>
-        <p:spPr>
-          <a:xfrm rot="10800000">
+        </p:nvGrpSpPr>
+        <p:grpSpPr>
+          <a:xfrm>
             <a:off x="6925784" y="4310609"/>
             <a:ext cx="1093318" cy="374422"/>
+            <a:chOff x="6925784" y="4310609"/>
+            <a:chExt cx="1093318" cy="374422"/>
           </a:xfrm>
-          <a:prstGeom prst="rightArrow">
-            <a:avLst/>
-          </a:prstGeom>
-          <a:gradFill flip="none" rotWithShape="1">
-            <a:gsLst>
-              <a:gs pos="0">
-                <a:schemeClr val="accent6">
-                  <a:lumMod val="60000"/>
-                  <a:lumOff val="40000"/>
-                  <a:shade val="30000"/>
-                  <a:satMod val="115000"/>
-                </a:schemeClr>
-              </a:gs>
-              <a:gs pos="50000">
-                <a:schemeClr val="accent6">
-                  <a:lumMod val="60000"/>
-                  <a:lumOff val="40000"/>
-                  <a:shade val="67500"/>
-                  <a:satMod val="115000"/>
-                </a:schemeClr>
-              </a:gs>
-              <a:gs pos="100000">
-                <a:schemeClr val="accent6">
-                  <a:lumMod val="60000"/>
-                  <a:lumOff val="40000"/>
-                  <a:shade val="100000"/>
-                  <a:satMod val="115000"/>
-                </a:schemeClr>
-              </a:gs>
-            </a:gsLst>
-            <a:lin ang="2700000" scaled="1"/>
-            <a:tileRect/>
-          </a:gradFill>
-          <a:ln>
+        </p:grpSpPr>
+        <p:sp>
+          <p:nvSpPr>
+            <p:cNvPr id="11" name="Arrow: Right 10">
+              <a:extLst>
+                <a:ext uri="{FF2B5EF4-FFF2-40B4-BE49-F238E27FC236}">
+                  <a16:creationId xmlns:a16="http://schemas.microsoft.com/office/drawing/2014/main" id="{D005DA57-D162-4264-A3B0-0D808974B935}"/>
+                </a:ext>
+              </a:extLst>
+            </p:cNvPr>
+            <p:cNvSpPr/>
+            <p:nvPr/>
+          </p:nvSpPr>
+          <p:spPr>
+            <a:xfrm rot="10800000">
+              <a:off x="6925784" y="4310609"/>
+              <a:ext cx="1093318" cy="374422"/>
+            </a:xfrm>
+            <a:prstGeom prst="rightArrow">
+              <a:avLst/>
+            </a:prstGeom>
+            <a:gradFill flip="none" rotWithShape="1">
+              <a:gsLst>
+                <a:gs pos="0">
+                  <a:schemeClr val="accent6">
+                    <a:lumMod val="60000"/>
+                    <a:lumOff val="40000"/>
+                    <a:shade val="30000"/>
+                    <a:satMod val="115000"/>
+                  </a:schemeClr>
+                </a:gs>
+                <a:gs pos="50000">
+                  <a:schemeClr val="accent6">
+                    <a:lumMod val="60000"/>
+                    <a:lumOff val="40000"/>
+                    <a:shade val="67500"/>
+                    <a:satMod val="115000"/>
+                  </a:schemeClr>
+                </a:gs>
+                <a:gs pos="100000">
+                  <a:schemeClr val="accent6">
+                    <a:lumMod val="60000"/>
+                    <a:lumOff val="40000"/>
+                    <a:shade val="100000"/>
+                    <a:satMod val="115000"/>
+                  </a:schemeClr>
+                </a:gs>
+              </a:gsLst>
+              <a:lin ang="2700000" scaled="1"/>
+              <a:tileRect/>
+            </a:gradFill>
+            <a:ln>
+              <a:solidFill>
+                <a:srgbClr val="92D050"/>
+              </a:solidFill>
+            </a:ln>
+          </p:spPr>
+          <p:style>
+            <a:lnRef idx="2">
+              <a:schemeClr val="accent1">
+                <a:shade val="50000"/>
+              </a:schemeClr>
+            </a:lnRef>
+            <a:fillRef idx="1">
+              <a:schemeClr val="accent1"/>
+            </a:fillRef>
+            <a:effectRef idx="0">
+              <a:schemeClr val="accent1"/>
+            </a:effectRef>
+            <a:fontRef idx="minor">
+              <a:schemeClr val="lt1"/>
+            </a:fontRef>
+          </p:style>
+          <p:txBody>
+            <a:bodyPr rtlCol="0" anchor="ctr"/>
+            <a:lstStyle/>
+            <a:p>
+              <a:pPr algn="ctr"/>
+              <a:endParaRPr lang="en-AU">
+                <a:solidFill>
+                  <a:prstClr val="white"/>
+                </a:solidFill>
+                <a:latin typeface="Calibri" panose="020F0502020204030204"/>
+              </a:endParaRPr>
+            </a:p>
+          </p:txBody>
+        </p:sp>
+        <p:sp>
+          <p:nvSpPr>
+            <p:cNvPr id="20" name="Oval 19">
+              <a:extLst>
+                <a:ext uri="{FF2B5EF4-FFF2-40B4-BE49-F238E27FC236}">
+                  <a16:creationId xmlns:a16="http://schemas.microsoft.com/office/drawing/2014/main" id="{46B70E58-8E2F-4ED0-A901-F3BF4BD86A63}"/>
+                </a:ext>
+              </a:extLst>
+            </p:cNvPr>
+            <p:cNvSpPr/>
+            <p:nvPr/>
+          </p:nvSpPr>
+          <p:spPr>
+            <a:xfrm>
+              <a:off x="7321847" y="4403205"/>
+              <a:ext cx="205567" cy="199142"/>
+            </a:xfrm>
+            <a:prstGeom prst="ellipse">
+              <a:avLst/>
+            </a:prstGeom>
             <a:solidFill>
-              <a:srgbClr val="92D050"/>
+              <a:schemeClr val="accent5">
+                <a:lumMod val="75000"/>
+              </a:schemeClr>
             </a:solidFill>
-          </a:ln>
-        </p:spPr>
-        <p:style>
-          <a:lnRef idx="2">
-            <a:schemeClr val="accent1">
-              <a:shade val="50000"/>
-            </a:schemeClr>
-          </a:lnRef>
-          <a:fillRef idx="1">
-            <a:schemeClr val="accent1"/>
-          </a:fillRef>
-          <a:effectRef idx="0">
-            <a:schemeClr val="accent1"/>
-          </a:effectRef>
-          <a:fontRef idx="minor">
-            <a:schemeClr val="lt1"/>
-          </a:fontRef>
-        </p:style>
-        <p:txBody>
-          <a:bodyPr rtlCol="0" anchor="ctr"/>
-          <a:lstStyle/>
-          <a:p>
-            <a:pPr algn="ctr"/>
-            <a:endParaRPr lang="en-AU">
+          </p:spPr>
+          <p:style>
+            <a:lnRef idx="2">
+              <a:schemeClr val="accent1">
+                <a:shade val="50000"/>
+              </a:schemeClr>
+            </a:lnRef>
+            <a:fillRef idx="1">
+              <a:schemeClr val="accent1"/>
+            </a:fillRef>
+            <a:effectRef idx="0">
+              <a:schemeClr val="accent1"/>
+            </a:effectRef>
+            <a:fontRef idx="minor">
+              <a:schemeClr val="lt1"/>
+            </a:fontRef>
+          </p:style>
+          <p:txBody>
+            <a:bodyPr rtlCol="0" anchor="ctr"/>
+            <a:lstStyle/>
+            <a:p>
+              <a:pPr algn="ctr"/>
+              <a:r>
+                <a:rPr lang="en-AU" sz="1100" dirty="0">
+                  <a:solidFill>
+                    <a:schemeClr val="bg1"/>
+                  </a:solidFill>
+                  <a:latin typeface="Verdana" panose="020B0604030504040204" pitchFamily="34" charset="0"/>
+                  <a:ea typeface="Verdana" panose="020B0604030504040204" pitchFamily="34" charset="0"/>
+                  <a:cs typeface="Tahoma" panose="020B0604030504040204" pitchFamily="34" charset="0"/>
+                </a:rPr>
+                <a:t>3</a:t>
+              </a:r>
+            </a:p>
+          </p:txBody>
+        </p:sp>
+      </p:grpSp>
+      <p:grpSp>
+        <p:nvGrpSpPr>
+          <p:cNvPr id="41" name="Group 40">
+            <a:extLst>
+              <a:ext uri="{FF2B5EF4-FFF2-40B4-BE49-F238E27FC236}">
+                <a16:creationId xmlns:a16="http://schemas.microsoft.com/office/drawing/2014/main" id="{4B9ED30F-84A0-4A28-BC8B-9ED27805B08A}"/>
+              </a:ext>
+            </a:extLst>
+          </p:cNvPr>
+          <p:cNvGrpSpPr/>
+          <p:nvPr/>
+        </p:nvGrpSpPr>
+        <p:grpSpPr>
+          <a:xfrm>
+            <a:off x="4153976" y="5317683"/>
+            <a:ext cx="1125793" cy="397165"/>
+            <a:chOff x="4153976" y="5317683"/>
+            <a:chExt cx="1125793" cy="397165"/>
+          </a:xfrm>
+        </p:grpSpPr>
+        <p:sp>
+          <p:nvSpPr>
+            <p:cNvPr id="18" name="Arrow: Right 17">
+              <a:extLst>
+                <a:ext uri="{FF2B5EF4-FFF2-40B4-BE49-F238E27FC236}">
+                  <a16:creationId xmlns:a16="http://schemas.microsoft.com/office/drawing/2014/main" id="{17F6C807-66AE-4326-8F99-6DFAAC49E839}"/>
+                </a:ext>
+              </a:extLst>
+            </p:cNvPr>
+            <p:cNvSpPr/>
+            <p:nvPr/>
+          </p:nvSpPr>
+          <p:spPr>
+            <a:xfrm rot="10800000">
+              <a:off x="4153976" y="5317683"/>
+              <a:ext cx="1125793" cy="397165"/>
+            </a:xfrm>
+            <a:prstGeom prst="rightArrow">
+              <a:avLst/>
+            </a:prstGeom>
+            <a:gradFill flip="none" rotWithShape="1">
+              <a:gsLst>
+                <a:gs pos="0">
+                  <a:schemeClr val="accent6">
+                    <a:lumMod val="60000"/>
+                    <a:lumOff val="40000"/>
+                    <a:shade val="30000"/>
+                    <a:satMod val="115000"/>
+                  </a:schemeClr>
+                </a:gs>
+                <a:gs pos="50000">
+                  <a:schemeClr val="accent6">
+                    <a:lumMod val="60000"/>
+                    <a:lumOff val="40000"/>
+                    <a:shade val="67500"/>
+                    <a:satMod val="115000"/>
+                  </a:schemeClr>
+                </a:gs>
+                <a:gs pos="100000">
+                  <a:schemeClr val="accent6">
+                    <a:lumMod val="60000"/>
+                    <a:lumOff val="40000"/>
+                    <a:shade val="100000"/>
+                    <a:satMod val="115000"/>
+                  </a:schemeClr>
+                </a:gs>
+              </a:gsLst>
+              <a:lin ang="2700000" scaled="1"/>
+              <a:tileRect/>
+            </a:gradFill>
+            <a:ln>
               <a:solidFill>
-                <a:prstClr val="white"/>
+                <a:srgbClr val="92D050"/>
               </a:solidFill>
-              <a:latin typeface="Calibri" panose="020F0502020204030204"/>
-            </a:endParaRPr>
-          </a:p>
-        </p:txBody>
-      </p:sp>
+            </a:ln>
+          </p:spPr>
+          <p:style>
+            <a:lnRef idx="2">
+              <a:schemeClr val="accent1">
+                <a:shade val="50000"/>
+              </a:schemeClr>
+            </a:lnRef>
+            <a:fillRef idx="1">
+              <a:schemeClr val="accent1"/>
+            </a:fillRef>
+            <a:effectRef idx="0">
+              <a:schemeClr val="accent1"/>
+            </a:effectRef>
+            <a:fontRef idx="minor">
+              <a:schemeClr val="lt1"/>
+            </a:fontRef>
+          </p:style>
+          <p:txBody>
+            <a:bodyPr rtlCol="0" anchor="ctr"/>
+            <a:lstStyle/>
+            <a:p>
+              <a:pPr marL="0" marR="0" lvl="0" indent="0" algn="ctr" defTabSz="914400" rtl="0" eaLnBrk="1" fontAlgn="auto" latinLnBrk="0" hangingPunct="1">
+                <a:lnSpc>
+                  <a:spcPct val="100000"/>
+                </a:lnSpc>
+                <a:spcBef>
+                  <a:spcPts val="0"/>
+                </a:spcBef>
+                <a:spcAft>
+                  <a:spcPts val="0"/>
+                </a:spcAft>
+                <a:buClrTx/>
+                <a:buSzTx/>
+                <a:buFontTx/>
+                <a:buNone/>
+                <a:tabLst/>
+                <a:defRPr/>
+              </a:pPr>
+              <a:endParaRPr kumimoji="0" lang="en-AU" sz="1800" b="0" i="0" u="none" strike="noStrike" kern="1200" cap="none" spc="0" normalizeH="0" baseline="0" noProof="0">
+                <a:ln>
+                  <a:noFill/>
+                </a:ln>
+                <a:solidFill>
+                  <a:prstClr val="white"/>
+                </a:solidFill>
+                <a:effectLst/>
+                <a:uLnTx/>
+                <a:uFillTx/>
+                <a:latin typeface="Calibri" panose="020F0502020204030204"/>
+                <a:ea typeface="+mn-ea"/>
+                <a:cs typeface="+mn-cs"/>
+              </a:endParaRPr>
+            </a:p>
+          </p:txBody>
+        </p:sp>
+        <p:sp>
+          <p:nvSpPr>
+            <p:cNvPr id="26" name="Oval 25">
+              <a:extLst>
+                <a:ext uri="{FF2B5EF4-FFF2-40B4-BE49-F238E27FC236}">
+                  <a16:creationId xmlns:a16="http://schemas.microsoft.com/office/drawing/2014/main" id="{24501A97-35B4-4E47-82EF-D38A8A7C4AD8}"/>
+                </a:ext>
+              </a:extLst>
+            </p:cNvPr>
+            <p:cNvSpPr/>
+            <p:nvPr/>
+          </p:nvSpPr>
+          <p:spPr>
+            <a:xfrm>
+              <a:off x="4557548" y="5416695"/>
+              <a:ext cx="205567" cy="199142"/>
+            </a:xfrm>
+            <a:prstGeom prst="ellipse">
+              <a:avLst/>
+            </a:prstGeom>
+            <a:solidFill>
+              <a:schemeClr val="accent5">
+                <a:lumMod val="75000"/>
+              </a:schemeClr>
+            </a:solidFill>
+          </p:spPr>
+          <p:style>
+            <a:lnRef idx="2">
+              <a:schemeClr val="accent1">
+                <a:shade val="50000"/>
+              </a:schemeClr>
+            </a:lnRef>
+            <a:fillRef idx="1">
+              <a:schemeClr val="accent1"/>
+            </a:fillRef>
+            <a:effectRef idx="0">
+              <a:schemeClr val="accent1"/>
+            </a:effectRef>
+            <a:fontRef idx="minor">
+              <a:schemeClr val="lt1"/>
+            </a:fontRef>
+          </p:style>
+          <p:txBody>
+            <a:bodyPr rtlCol="0" anchor="ctr"/>
+            <a:lstStyle/>
+            <a:p>
+              <a:pPr algn="ctr"/>
+              <a:r>
+                <a:rPr lang="en-AU" sz="1100" dirty="0">
+                  <a:solidFill>
+                    <a:schemeClr val="bg1"/>
+                  </a:solidFill>
+                  <a:latin typeface="Verdana" panose="020B0604030504040204" pitchFamily="34" charset="0"/>
+                  <a:ea typeface="Verdana" panose="020B0604030504040204" pitchFamily="34" charset="0"/>
+                  <a:cs typeface="Tahoma" panose="020B0604030504040204" pitchFamily="34" charset="0"/>
+                </a:rPr>
+                <a:t>4</a:t>
+              </a:r>
+            </a:p>
+          </p:txBody>
+        </p:sp>
+      </p:grpSp>
+      <p:grpSp>
+        <p:nvGrpSpPr>
+          <p:cNvPr id="42" name="Group 41">
+            <a:extLst>
+              <a:ext uri="{FF2B5EF4-FFF2-40B4-BE49-F238E27FC236}">
+                <a16:creationId xmlns:a16="http://schemas.microsoft.com/office/drawing/2014/main" id="{6E574F4C-A6DA-48FC-BDE4-D9A64BB8D316}"/>
+              </a:ext>
+            </a:extLst>
+          </p:cNvPr>
+          <p:cNvGrpSpPr/>
+          <p:nvPr/>
+        </p:nvGrpSpPr>
+        <p:grpSpPr>
+          <a:xfrm>
+            <a:off x="662771" y="1744971"/>
+            <a:ext cx="805740" cy="3786007"/>
+            <a:chOff x="662771" y="1744971"/>
+            <a:chExt cx="805740" cy="3786007"/>
+          </a:xfrm>
+        </p:grpSpPr>
+        <p:sp>
+          <p:nvSpPr>
+            <p:cNvPr id="7" name="Arrow: Bent 6">
+              <a:extLst>
+                <a:ext uri="{FF2B5EF4-FFF2-40B4-BE49-F238E27FC236}">
+                  <a16:creationId xmlns:a16="http://schemas.microsoft.com/office/drawing/2014/main" id="{973FCAE7-6B16-4FA8-B7B8-7E6D61014F7F}"/>
+                </a:ext>
+              </a:extLst>
+            </p:cNvPr>
+            <p:cNvSpPr/>
+            <p:nvPr/>
+          </p:nvSpPr>
+          <p:spPr>
+            <a:xfrm rot="16200000">
+              <a:off x="-827363" y="3235105"/>
+              <a:ext cx="3786007" cy="805740"/>
+            </a:xfrm>
+            <a:prstGeom prst="bentArrow">
+              <a:avLst/>
+            </a:prstGeom>
+            <a:gradFill flip="none" rotWithShape="1">
+              <a:gsLst>
+                <a:gs pos="0">
+                  <a:schemeClr val="accent6">
+                    <a:lumMod val="60000"/>
+                    <a:lumOff val="40000"/>
+                    <a:shade val="30000"/>
+                    <a:satMod val="115000"/>
+                  </a:schemeClr>
+                </a:gs>
+                <a:gs pos="50000">
+                  <a:schemeClr val="accent6">
+                    <a:lumMod val="60000"/>
+                    <a:lumOff val="40000"/>
+                    <a:shade val="67500"/>
+                    <a:satMod val="115000"/>
+                  </a:schemeClr>
+                </a:gs>
+                <a:gs pos="100000">
+                  <a:schemeClr val="accent6">
+                    <a:lumMod val="60000"/>
+                    <a:lumOff val="40000"/>
+                    <a:shade val="100000"/>
+                    <a:satMod val="115000"/>
+                  </a:schemeClr>
+                </a:gs>
+              </a:gsLst>
+              <a:lin ang="2700000" scaled="1"/>
+              <a:tileRect/>
+            </a:gradFill>
+            <a:ln>
+              <a:solidFill>
+                <a:srgbClr val="92D050"/>
+              </a:solidFill>
+            </a:ln>
+          </p:spPr>
+          <p:style>
+            <a:lnRef idx="2">
+              <a:schemeClr val="accent1">
+                <a:shade val="50000"/>
+              </a:schemeClr>
+            </a:lnRef>
+            <a:fillRef idx="1">
+              <a:schemeClr val="accent1"/>
+            </a:fillRef>
+            <a:effectRef idx="0">
+              <a:schemeClr val="accent1"/>
+            </a:effectRef>
+            <a:fontRef idx="minor">
+              <a:schemeClr val="lt1"/>
+            </a:fontRef>
+          </p:style>
+          <p:txBody>
+            <a:bodyPr rtlCol="0" anchor="ctr"/>
+            <a:lstStyle/>
+            <a:p>
+              <a:pPr algn="ctr"/>
+              <a:endParaRPr lang="en-AU">
+                <a:solidFill>
+                  <a:prstClr val="white"/>
+                </a:solidFill>
+                <a:latin typeface="Calibri" panose="020F0502020204030204"/>
+              </a:endParaRPr>
+            </a:p>
+          </p:txBody>
+        </p:sp>
+        <p:sp>
+          <p:nvSpPr>
+            <p:cNvPr id="30" name="Oval 29">
+              <a:extLst>
+                <a:ext uri="{FF2B5EF4-FFF2-40B4-BE49-F238E27FC236}">
+                  <a16:creationId xmlns:a16="http://schemas.microsoft.com/office/drawing/2014/main" id="{20B3BFFC-2F98-4429-B243-CE0293FB992B}"/>
+                </a:ext>
+              </a:extLst>
+            </p:cNvPr>
+            <p:cNvSpPr/>
+            <p:nvPr/>
+          </p:nvSpPr>
+          <p:spPr>
+            <a:xfrm>
+              <a:off x="761946" y="3640590"/>
+              <a:ext cx="205567" cy="199142"/>
+            </a:xfrm>
+            <a:prstGeom prst="ellipse">
+              <a:avLst/>
+            </a:prstGeom>
+            <a:solidFill>
+              <a:schemeClr val="accent5">
+                <a:lumMod val="75000"/>
+              </a:schemeClr>
+            </a:solidFill>
+          </p:spPr>
+          <p:style>
+            <a:lnRef idx="2">
+              <a:schemeClr val="accent1">
+                <a:shade val="50000"/>
+              </a:schemeClr>
+            </a:lnRef>
+            <a:fillRef idx="1">
+              <a:schemeClr val="accent1"/>
+            </a:fillRef>
+            <a:effectRef idx="0">
+              <a:schemeClr val="accent1"/>
+            </a:effectRef>
+            <a:fontRef idx="minor">
+              <a:schemeClr val="lt1"/>
+            </a:fontRef>
+          </p:style>
+          <p:txBody>
+            <a:bodyPr rtlCol="0" anchor="ctr"/>
+            <a:lstStyle/>
+            <a:p>
+              <a:pPr algn="ctr"/>
+              <a:r>
+                <a:rPr lang="en-AU" sz="1100" dirty="0">
+                  <a:solidFill>
+                    <a:schemeClr val="bg1"/>
+                  </a:solidFill>
+                  <a:latin typeface="Verdana" panose="020B0604030504040204" pitchFamily="34" charset="0"/>
+                  <a:ea typeface="Verdana" panose="020B0604030504040204" pitchFamily="34" charset="0"/>
+                  <a:cs typeface="Tahoma" panose="020B0604030504040204" pitchFamily="34" charset="0"/>
+                </a:rPr>
+                <a:t>5</a:t>
+              </a:r>
+            </a:p>
+          </p:txBody>
+        </p:sp>
+      </p:grpSp>
     </p:spTree>
     <p:extLst>
       <p:ext uri="{BB962C8B-B14F-4D97-AF65-F5344CB8AC3E}">
@@ -6222,7 +6632,7 @@
                             </p:stCondLst>
                             <p:childTnLst>
                               <p:par>
-                                <p:cTn id="5" presetID="1" presetClass="entr" presetSubtype="0" fill="hold" grpId="0" nodeType="clickEffect">
+                                <p:cTn id="5" presetID="1" presetClass="entr" presetSubtype="0" fill="hold" nodeType="clickEffect">
                                   <p:stCondLst>
                                     <p:cond delay="0"/>
                                   </p:stCondLst>
@@ -6235,7 +6645,7 @@
                                           </p:stCondLst>
                                         </p:cTn>
                                         <p:tgtEl>
-                                          <p:spTgt spid="21"/>
+                                          <p:spTgt spid="32"/>
                                         </p:tgtEl>
                                         <p:attrNameLst>
                                           <p:attrName>style.visibility</p:attrName>
@@ -6267,7 +6677,7 @@
                             </p:stCondLst>
                             <p:childTnLst>
                               <p:par>
-                                <p:cTn id="9" presetID="1" presetClass="entr" presetSubtype="0" fill="hold" grpId="0" nodeType="clickEffect">
+                                <p:cTn id="9" presetID="1" presetClass="entr" presetSubtype="0" fill="hold" nodeType="clickEffect">
                                   <p:stCondLst>
                                     <p:cond delay="0"/>
                                   </p:stCondLst>
@@ -6280,7 +6690,7 @@
                                           </p:stCondLst>
                                         </p:cTn>
                                         <p:tgtEl>
-                                          <p:spTgt spid="10"/>
+                                          <p:spTgt spid="34"/>
                                         </p:tgtEl>
                                         <p:attrNameLst>
                                           <p:attrName>style.visibility</p:attrName>
@@ -6312,7 +6722,7 @@
                             </p:stCondLst>
                             <p:childTnLst>
                               <p:par>
-                                <p:cTn id="13" presetID="1" presetClass="entr" presetSubtype="0" fill="hold" grpId="0" nodeType="clickEffect">
+                                <p:cTn id="13" presetID="1" presetClass="entr" presetSubtype="0" fill="hold" nodeType="clickEffect">
                                   <p:stCondLst>
                                     <p:cond delay="0"/>
                                   </p:stCondLst>
@@ -6325,7 +6735,7 @@
                                           </p:stCondLst>
                                         </p:cTn>
                                         <p:tgtEl>
-                                          <p:spTgt spid="11"/>
+                                          <p:spTgt spid="40"/>
                                         </p:tgtEl>
                                         <p:attrNameLst>
                                           <p:attrName>style.visibility</p:attrName>
@@ -6357,7 +6767,7 @@
                             </p:stCondLst>
                             <p:childTnLst>
                               <p:par>
-                                <p:cTn id="17" presetID="1" presetClass="entr" presetSubtype="0" fill="hold" grpId="0" nodeType="clickEffect">
+                                <p:cTn id="17" presetID="1" presetClass="entr" presetSubtype="0" fill="hold" nodeType="clickEffect">
                                   <p:stCondLst>
                                     <p:cond delay="0"/>
                                   </p:stCondLst>
@@ -6370,7 +6780,7 @@
                                           </p:stCondLst>
                                         </p:cTn>
                                         <p:tgtEl>
-                                          <p:spTgt spid="18"/>
+                                          <p:spTgt spid="41"/>
                                         </p:tgtEl>
                                         <p:attrNameLst>
                                           <p:attrName>style.visibility</p:attrName>
@@ -6402,7 +6812,7 @@
                             </p:stCondLst>
                             <p:childTnLst>
                               <p:par>
-                                <p:cTn id="21" presetID="1" presetClass="entr" presetSubtype="0" fill="hold" grpId="0" nodeType="clickEffect">
+                                <p:cTn id="21" presetID="1" presetClass="entr" presetSubtype="0" fill="hold" nodeType="clickEffect">
                                   <p:stCondLst>
                                     <p:cond delay="0"/>
                                   </p:stCondLst>
@@ -6415,7 +6825,7 @@
                                           </p:stCondLst>
                                         </p:cTn>
                                         <p:tgtEl>
-                                          <p:spTgt spid="7"/>
+                                          <p:spTgt spid="42"/>
                                         </p:tgtEl>
                                         <p:attrNameLst>
                                           <p:attrName>style.visibility</p:attrName>
@@ -6455,13 +6865,6 @@
         </p:cTn>
       </p:par>
     </p:tnLst>
-    <p:bldLst>
-      <p:bldP spid="18" grpId="0" animBg="1"/>
-      <p:bldP spid="21" grpId="0" animBg="1"/>
-      <p:bldP spid="7" grpId="0" animBg="1"/>
-      <p:bldP spid="10" grpId="0" animBg="1"/>
-      <p:bldP spid="11" grpId="0" animBg="1"/>
-    </p:bldLst>
   </p:timing>
 </p:sld>
 </file>

--- a/docs/docs_vs_code_iot_central/Lab_6_AzureRTOS_and_Inter-Core_Messaging/resources/Secure_IoT_with_Azure_Sphere_Azure_RTOS.pptx
+++ b/docs/docs_vs_code_iot_central/Lab_6_AzureRTOS_and_Inter-Core_Messaging/resources/Secure_IoT_with_Azure_Sphere_Azure_RTOS.pptx
@@ -3898,9 +3898,7 @@
             <a:avLst/>
           </a:prstGeom>
           <a:solidFill>
-            <a:schemeClr val="bg2">
-              <a:lumMod val="90000"/>
-            </a:schemeClr>
+            <a:schemeClr val="bg2"/>
           </a:solidFill>
         </p:spPr>
         <p:style>

--- a/docs/docs_vs_code_iot_central/Lab_6_AzureRTOS_and_Inter-Core_Messaging/resources/Secure_IoT_with_Azure_Sphere_Azure_RTOS.pptx
+++ b/docs/docs_vs_code_iot_central/Lab_6_AzureRTOS_and_Inter-Core_Messaging/resources/Secure_IoT_with_Azure_Sphere_Azure_RTOS.pptx
@@ -4283,7 +4283,24 @@
                 <a:ea typeface="+mn-ea"/>
                 <a:cs typeface="+mn-cs"/>
               </a:rPr>
-              <a:t>Inter-core </a:t>
+              <a:t>Intercore</a:t>
+            </a:r>
+            <a:r>
+              <a:rPr kumimoji="0" lang="en-AU" sz="2400" b="0" i="0" u="none" strike="noStrike" kern="1200" cap="none" spc="0" normalizeH="0" baseline="0" noProof="0" dirty="0">
+                <a:ln>
+                  <a:noFill/>
+                </a:ln>
+                <a:solidFill>
+                  <a:prstClr val="white"/>
+                </a:solidFill>
+                <a:effectLst/>
+                <a:uLnTx/>
+                <a:uFillTx/>
+                <a:latin typeface="Calibri" panose="020F0502020204030204"/>
+                <a:ea typeface="+mn-ea"/>
+                <a:cs typeface="+mn-cs"/>
+              </a:rPr>
+              <a:t> </a:t>
             </a:r>
           </a:p>
           <a:p>
@@ -4305,7 +4322,7 @@
               <a:defRPr/>
             </a:pPr>
             <a:r>
-              <a:rPr kumimoji="0" lang="en-AU" sz="2400" b="0" i="0" u="none" strike="noStrike" kern="1200" cap="none" spc="0" normalizeH="0" baseline="0" noProof="0">
+              <a:rPr kumimoji="0" lang="en-AU" sz="2400" b="0" i="0" u="none" strike="noStrike" kern="1200" cap="none" spc="0" normalizeH="0" baseline="0" noProof="0" dirty="0">
                 <a:ln>
                   <a:noFill/>
                 </a:ln>

--- a/docs/docs_vs_code_iot_central/Lab_6_AzureRTOS_and_Inter-Core_Messaging/resources/Secure_IoT_with_Azure_Sphere_Azure_RTOS.pptx
+++ b/docs/docs_vs_code_iot_central/Lab_6_AzureRTOS_and_Inter-Core_Messaging/resources/Secure_IoT_with_Azure_Sphere_Azure_RTOS.pptx
@@ -5,10 +5,11 @@
     <p:sldMasterId id="2147483660" r:id="rId1"/>
   </p:sldMasterIdLst>
   <p:notesMasterIdLst>
-    <p:notesMasterId r:id="rId3"/>
+    <p:notesMasterId r:id="rId4"/>
   </p:notesMasterIdLst>
   <p:sldIdLst>
     <p:sldId id="2076138164" r:id="rId2"/>
+    <p:sldId id="2076138165" r:id="rId3"/>
   </p:sldIdLst>
   <p:sldSz cx="12192000" cy="6858000"/>
   <p:notesSz cx="6858000" cy="9144000"/>
@@ -197,7 +198,7 @@
           <a:p>
             <a:fld id="{60795DF9-AB07-403B-A14D-7C9FC4458AF7}" type="datetimeFigureOut">
               <a:rPr lang="en-AU" smtClean="0"/>
-              <a:t>30/10/2020</a:t>
+              <a:t>2/11/2020</a:t>
             </a:fld>
             <a:endParaRPr lang="en-AU"/>
           </a:p>
@@ -642,6 +643,183 @@
 </p:notes>
 </file>
 
+<file path=ppt/notesSlides/notesSlide2.xml><?xml version="1.0" encoding="utf-8"?>
+<p:notes xmlns:a="http://schemas.openxmlformats.org/drawingml/2006/main" xmlns:r="http://schemas.openxmlformats.org/officeDocument/2006/relationships" xmlns:p="http://schemas.openxmlformats.org/presentationml/2006/main">
+  <p:cSld>
+    <p:spTree>
+      <p:nvGrpSpPr>
+        <p:cNvPr id="1" name=""/>
+        <p:cNvGrpSpPr/>
+        <p:nvPr/>
+      </p:nvGrpSpPr>
+      <p:grpSpPr>
+        <a:xfrm>
+          <a:off x="0" y="0"/>
+          <a:ext cx="0" cy="0"/>
+          <a:chOff x="0" y="0"/>
+          <a:chExt cx="0" cy="0"/>
+        </a:xfrm>
+      </p:grpSpPr>
+      <p:sp>
+        <p:nvSpPr>
+          <p:cNvPr id="2" name="Slide Image Placeholder 1"/>
+          <p:cNvSpPr>
+            <a:spLocks noGrp="1" noRot="1" noChangeAspect="1"/>
+          </p:cNvSpPr>
+          <p:nvPr>
+            <p:ph type="sldImg"/>
+          </p:nvPr>
+        </p:nvSpPr>
+        <p:spPr>
+          <a:xfrm>
+            <a:off x="422275" y="1241425"/>
+            <a:ext cx="5953125" cy="3349625"/>
+          </a:xfrm>
+        </p:spPr>
+      </p:sp>
+      <p:sp>
+        <p:nvSpPr>
+          <p:cNvPr id="3" name="Notes Placeholder 2"/>
+          <p:cNvSpPr>
+            <a:spLocks noGrp="1"/>
+          </p:cNvSpPr>
+          <p:nvPr>
+            <p:ph type="body" idx="1"/>
+          </p:nvPr>
+        </p:nvSpPr>
+        <p:spPr/>
+        <p:txBody>
+          <a:bodyPr/>
+          <a:lstStyle/>
+          <a:p>
+            <a:r>
+              <a:rPr lang="en-GB"/>
+              <a:t>M: Ask Dave why would you run apps on multiple cores and in particular the Cortex M4 Real time core</a:t>
+            </a:r>
+          </a:p>
+          <a:p>
+            <a:endParaRPr lang="en-GB"/>
+          </a:p>
+          <a:p>
+            <a:r>
+              <a:rPr lang="en-GB"/>
+              <a:t>Running time sensitive code –sensor depends on predictable timing</a:t>
+            </a:r>
+          </a:p>
+          <a:p>
+            <a:r>
+              <a:rPr lang="en-GB"/>
+              <a:t>Scenarios include migrating existing code</a:t>
+            </a:r>
+          </a:p>
+          <a:p>
+            <a:r>
+              <a:rPr lang="en-GB"/>
+              <a:t>Running FreeRTOS and Azure RTOS</a:t>
+            </a:r>
+          </a:p>
+          <a:p>
+            <a:r>
+              <a:rPr lang="en-GB"/>
+              <a:t>Running Time Machine Learning models – for example voice activation</a:t>
+            </a:r>
+          </a:p>
+        </p:txBody>
+      </p:sp>
+      <p:sp>
+        <p:nvSpPr>
+          <p:cNvPr id="4" name="Slide Number Placeholder 3"/>
+          <p:cNvSpPr>
+            <a:spLocks noGrp="1"/>
+          </p:cNvSpPr>
+          <p:nvPr>
+            <p:ph type="sldNum" sz="quarter" idx="5"/>
+          </p:nvPr>
+        </p:nvSpPr>
+        <p:spPr/>
+        <p:txBody>
+          <a:bodyPr/>
+          <a:lstStyle/>
+          <a:p>
+            <a:pPr marL="0" marR="0" lvl="0" indent="0" algn="r" defTabSz="914400" rtl="0" eaLnBrk="1" fontAlgn="auto" latinLnBrk="0" hangingPunct="1">
+              <a:lnSpc>
+                <a:spcPct val="100000"/>
+              </a:lnSpc>
+              <a:spcBef>
+                <a:spcPts val="0"/>
+              </a:spcBef>
+              <a:spcAft>
+                <a:spcPts val="0"/>
+              </a:spcAft>
+              <a:buClrTx/>
+              <a:buSzTx/>
+              <a:buFontTx/>
+              <a:buNone/>
+              <a:tabLst/>
+              <a:defRPr/>
+            </a:pPr>
+            <a:fld id="{3B9DA494-B994-4962-A04D-0A79E4D8ADC9}" type="slidenum">
+              <a:rPr kumimoji="0" lang="en-AU" sz="1200" b="0" i="0" u="none" strike="noStrike" kern="1200" cap="none" spc="0" normalizeH="0" baseline="0" noProof="0" smtClean="0">
+                <a:ln>
+                  <a:noFill/>
+                </a:ln>
+                <a:solidFill>
+                  <a:prstClr val="black"/>
+                </a:solidFill>
+                <a:effectLst/>
+                <a:uLnTx/>
+                <a:uFillTx/>
+                <a:latin typeface="Calibri"/>
+                <a:cs typeface="Arial" pitchFamily="34" charset="0"/>
+              </a:rPr>
+              <a:pPr marL="0" marR="0" lvl="0" indent="0" algn="r" defTabSz="914400" rtl="0" eaLnBrk="1" fontAlgn="auto" latinLnBrk="0" hangingPunct="1">
+                <a:lnSpc>
+                  <a:spcPct val="100000"/>
+                </a:lnSpc>
+                <a:spcBef>
+                  <a:spcPts val="0"/>
+                </a:spcBef>
+                <a:spcAft>
+                  <a:spcPts val="0"/>
+                </a:spcAft>
+                <a:buClrTx/>
+                <a:buSzTx/>
+                <a:buFontTx/>
+                <a:buNone/>
+                <a:tabLst/>
+                <a:defRPr/>
+              </a:pPr>
+              <a:t>2</a:t>
+            </a:fld>
+            <a:endParaRPr kumimoji="0" lang="en-AU" sz="1200" b="0" i="0" u="none" strike="noStrike" kern="1200" cap="none" spc="0" normalizeH="0" baseline="0" noProof="0">
+              <a:ln>
+                <a:noFill/>
+              </a:ln>
+              <a:solidFill>
+                <a:prstClr val="black"/>
+              </a:solidFill>
+              <a:effectLst/>
+              <a:uLnTx/>
+              <a:uFillTx/>
+              <a:latin typeface="Calibri"/>
+              <a:cs typeface="Arial" pitchFamily="34" charset="0"/>
+            </a:endParaRPr>
+          </a:p>
+        </p:txBody>
+      </p:sp>
+    </p:spTree>
+    <p:extLst>
+      <p:ext uri="{BB962C8B-B14F-4D97-AF65-F5344CB8AC3E}">
+        <p14:creationId xmlns:p14="http://schemas.microsoft.com/office/powerpoint/2010/main" val="1924863118"/>
+      </p:ext>
+    </p:extLst>
+  </p:cSld>
+  <p:clrMapOvr>
+    <a:masterClrMapping/>
+  </p:clrMapOvr>
+</p:notes>
+</file>
+
 <file path=ppt/slideLayouts/slideLayout1.xml><?xml version="1.0" encoding="utf-8"?>
 <p:sldLayout xmlns:a="http://schemas.openxmlformats.org/drawingml/2006/main" xmlns:r="http://schemas.openxmlformats.org/officeDocument/2006/relationships" xmlns:p="http://schemas.openxmlformats.org/presentationml/2006/main" type="title" preserve="1">
   <p:cSld name="Title Slide">
@@ -791,7 +969,7 @@
           <a:p>
             <a:fld id="{F2FB5CAD-2BDB-4AFC-BEB5-07B2730BB78E}" type="datetimeFigureOut">
               <a:rPr lang="en-AU" smtClean="0"/>
-              <a:t>30/10/2020</a:t>
+              <a:t>2/11/2020</a:t>
             </a:fld>
             <a:endParaRPr lang="en-AU"/>
           </a:p>
@@ -991,7 +1169,7 @@
           <a:p>
             <a:fld id="{F2FB5CAD-2BDB-4AFC-BEB5-07B2730BB78E}" type="datetimeFigureOut">
               <a:rPr lang="en-AU" smtClean="0"/>
-              <a:t>30/10/2020</a:t>
+              <a:t>2/11/2020</a:t>
             </a:fld>
             <a:endParaRPr lang="en-AU"/>
           </a:p>
@@ -1201,7 +1379,7 @@
           <a:p>
             <a:fld id="{F2FB5CAD-2BDB-4AFC-BEB5-07B2730BB78E}" type="datetimeFigureOut">
               <a:rPr lang="en-AU" smtClean="0"/>
-              <a:t>30/10/2020</a:t>
+              <a:t>2/11/2020</a:t>
             </a:fld>
             <a:endParaRPr lang="en-AU"/>
           </a:p>
@@ -1401,7 +1579,7 @@
           <a:p>
             <a:fld id="{F2FB5CAD-2BDB-4AFC-BEB5-07B2730BB78E}" type="datetimeFigureOut">
               <a:rPr lang="en-AU" smtClean="0"/>
-              <a:t>30/10/2020</a:t>
+              <a:t>2/11/2020</a:t>
             </a:fld>
             <a:endParaRPr lang="en-AU"/>
           </a:p>
@@ -1677,7 +1855,7 @@
           <a:p>
             <a:fld id="{F2FB5CAD-2BDB-4AFC-BEB5-07B2730BB78E}" type="datetimeFigureOut">
               <a:rPr lang="en-AU" smtClean="0"/>
-              <a:t>30/10/2020</a:t>
+              <a:t>2/11/2020</a:t>
             </a:fld>
             <a:endParaRPr lang="en-AU"/>
           </a:p>
@@ -1945,7 +2123,7 @@
           <a:p>
             <a:fld id="{F2FB5CAD-2BDB-4AFC-BEB5-07B2730BB78E}" type="datetimeFigureOut">
               <a:rPr lang="en-AU" smtClean="0"/>
-              <a:t>30/10/2020</a:t>
+              <a:t>2/11/2020</a:t>
             </a:fld>
             <a:endParaRPr lang="en-AU"/>
           </a:p>
@@ -2360,7 +2538,7 @@
           <a:p>
             <a:fld id="{F2FB5CAD-2BDB-4AFC-BEB5-07B2730BB78E}" type="datetimeFigureOut">
               <a:rPr lang="en-AU" smtClean="0"/>
-              <a:t>30/10/2020</a:t>
+              <a:t>2/11/2020</a:t>
             </a:fld>
             <a:endParaRPr lang="en-AU"/>
           </a:p>
@@ -2502,7 +2680,7 @@
           <a:p>
             <a:fld id="{F2FB5CAD-2BDB-4AFC-BEB5-07B2730BB78E}" type="datetimeFigureOut">
               <a:rPr lang="en-AU" smtClean="0"/>
-              <a:t>30/10/2020</a:t>
+              <a:t>2/11/2020</a:t>
             </a:fld>
             <a:endParaRPr lang="en-AU"/>
           </a:p>
@@ -2615,7 +2793,7 @@
           <a:p>
             <a:fld id="{F2FB5CAD-2BDB-4AFC-BEB5-07B2730BB78E}" type="datetimeFigureOut">
               <a:rPr lang="en-AU" smtClean="0"/>
-              <a:t>30/10/2020</a:t>
+              <a:t>2/11/2020</a:t>
             </a:fld>
             <a:endParaRPr lang="en-AU"/>
           </a:p>
@@ -2928,7 +3106,7 @@
           <a:p>
             <a:fld id="{F2FB5CAD-2BDB-4AFC-BEB5-07B2730BB78E}" type="datetimeFigureOut">
               <a:rPr lang="en-AU" smtClean="0"/>
-              <a:t>30/10/2020</a:t>
+              <a:t>2/11/2020</a:t>
             </a:fld>
             <a:endParaRPr lang="en-AU"/>
           </a:p>
@@ -3217,7 +3395,7 @@
           <a:p>
             <a:fld id="{F2FB5CAD-2BDB-4AFC-BEB5-07B2730BB78E}" type="datetimeFigureOut">
               <a:rPr lang="en-AU" smtClean="0"/>
-              <a:t>30/10/2020</a:t>
+              <a:t>2/11/2020</a:t>
             </a:fld>
             <a:endParaRPr lang="en-AU"/>
           </a:p>
@@ -3460,7 +3638,7 @@
           <a:p>
             <a:fld id="{F2FB5CAD-2BDB-4AFC-BEB5-07B2730BB78E}" type="datetimeFigureOut">
               <a:rPr lang="en-AU" smtClean="0"/>
-              <a:t>30/10/2020</a:t>
+              <a:t>2/11/2020</a:t>
             </a:fld>
             <a:endParaRPr lang="en-AU"/>
           </a:p>
@@ -4661,7 +4839,7 @@
           <a:lstStyle/>
           <a:p>
             <a:r>
-              <a:rPr lang="en-AU" sz="4000"/>
+              <a:rPr lang="en-AU" sz="4000" dirty="0"/>
               <a:t>Secure IoT with Azure Sphere, Azure RTOS and IoT Central</a:t>
             </a:r>
           </a:p>
@@ -6620,6 +6798,2918 @@
     <p:extLst>
       <p:ext uri="{BB962C8B-B14F-4D97-AF65-F5344CB8AC3E}">
         <p14:creationId xmlns:p14="http://schemas.microsoft.com/office/powerpoint/2010/main" val="1295256734"/>
+      </p:ext>
+    </p:extLst>
+  </p:cSld>
+  <p:clrMapOvr>
+    <a:masterClrMapping/>
+  </p:clrMapOvr>
+  <p:timing>
+    <p:tnLst>
+      <p:par>
+        <p:cTn id="1" dur="indefinite" restart="never" nodeType="tmRoot">
+          <p:childTnLst>
+            <p:seq concurrent="1" nextAc="seek">
+              <p:cTn id="2" dur="indefinite" nodeType="mainSeq">
+                <p:childTnLst>
+                  <p:par>
+                    <p:cTn id="3" fill="hold">
+                      <p:stCondLst>
+                        <p:cond delay="indefinite"/>
+                      </p:stCondLst>
+                      <p:childTnLst>
+                        <p:par>
+                          <p:cTn id="4" fill="hold">
+                            <p:stCondLst>
+                              <p:cond delay="0"/>
+                            </p:stCondLst>
+                            <p:childTnLst>
+                              <p:par>
+                                <p:cTn id="5" presetID="1" presetClass="entr" presetSubtype="0" fill="hold" nodeType="clickEffect">
+                                  <p:stCondLst>
+                                    <p:cond delay="0"/>
+                                  </p:stCondLst>
+                                  <p:childTnLst>
+                                    <p:set>
+                                      <p:cBhvr>
+                                        <p:cTn id="6" dur="1" fill="hold">
+                                          <p:stCondLst>
+                                            <p:cond delay="0"/>
+                                          </p:stCondLst>
+                                        </p:cTn>
+                                        <p:tgtEl>
+                                          <p:spTgt spid="32"/>
+                                        </p:tgtEl>
+                                        <p:attrNameLst>
+                                          <p:attrName>style.visibility</p:attrName>
+                                        </p:attrNameLst>
+                                      </p:cBhvr>
+                                      <p:to>
+                                        <p:strVal val="visible"/>
+                                      </p:to>
+                                    </p:set>
+                                  </p:childTnLst>
+                                </p:cTn>
+                              </p:par>
+                            </p:childTnLst>
+                          </p:cTn>
+                        </p:par>
+                      </p:childTnLst>
+                    </p:cTn>
+                  </p:par>
+                  <p:par>
+                    <p:cTn id="7" fill="hold">
+                      <p:stCondLst>
+                        <p:cond delay="indefinite"/>
+                      </p:stCondLst>
+                      <p:childTnLst>
+                        <p:par>
+                          <p:cTn id="8" fill="hold">
+                            <p:stCondLst>
+                              <p:cond delay="0"/>
+                            </p:stCondLst>
+                            <p:childTnLst>
+                              <p:par>
+                                <p:cTn id="9" presetID="1" presetClass="entr" presetSubtype="0" fill="hold" nodeType="clickEffect">
+                                  <p:stCondLst>
+                                    <p:cond delay="0"/>
+                                  </p:stCondLst>
+                                  <p:childTnLst>
+                                    <p:set>
+                                      <p:cBhvr>
+                                        <p:cTn id="10" dur="1" fill="hold">
+                                          <p:stCondLst>
+                                            <p:cond delay="0"/>
+                                          </p:stCondLst>
+                                        </p:cTn>
+                                        <p:tgtEl>
+                                          <p:spTgt spid="34"/>
+                                        </p:tgtEl>
+                                        <p:attrNameLst>
+                                          <p:attrName>style.visibility</p:attrName>
+                                        </p:attrNameLst>
+                                      </p:cBhvr>
+                                      <p:to>
+                                        <p:strVal val="visible"/>
+                                      </p:to>
+                                    </p:set>
+                                  </p:childTnLst>
+                                </p:cTn>
+                              </p:par>
+                            </p:childTnLst>
+                          </p:cTn>
+                        </p:par>
+                      </p:childTnLst>
+                    </p:cTn>
+                  </p:par>
+                  <p:par>
+                    <p:cTn id="11" fill="hold">
+                      <p:stCondLst>
+                        <p:cond delay="indefinite"/>
+                      </p:stCondLst>
+                      <p:childTnLst>
+                        <p:par>
+                          <p:cTn id="12" fill="hold">
+                            <p:stCondLst>
+                              <p:cond delay="0"/>
+                            </p:stCondLst>
+                            <p:childTnLst>
+                              <p:par>
+                                <p:cTn id="13" presetID="1" presetClass="entr" presetSubtype="0" fill="hold" nodeType="clickEffect">
+                                  <p:stCondLst>
+                                    <p:cond delay="0"/>
+                                  </p:stCondLst>
+                                  <p:childTnLst>
+                                    <p:set>
+                                      <p:cBhvr>
+                                        <p:cTn id="14" dur="1" fill="hold">
+                                          <p:stCondLst>
+                                            <p:cond delay="0"/>
+                                          </p:stCondLst>
+                                        </p:cTn>
+                                        <p:tgtEl>
+                                          <p:spTgt spid="40"/>
+                                        </p:tgtEl>
+                                        <p:attrNameLst>
+                                          <p:attrName>style.visibility</p:attrName>
+                                        </p:attrNameLst>
+                                      </p:cBhvr>
+                                      <p:to>
+                                        <p:strVal val="visible"/>
+                                      </p:to>
+                                    </p:set>
+                                  </p:childTnLst>
+                                </p:cTn>
+                              </p:par>
+                            </p:childTnLst>
+                          </p:cTn>
+                        </p:par>
+                      </p:childTnLst>
+                    </p:cTn>
+                  </p:par>
+                  <p:par>
+                    <p:cTn id="15" fill="hold">
+                      <p:stCondLst>
+                        <p:cond delay="indefinite"/>
+                      </p:stCondLst>
+                      <p:childTnLst>
+                        <p:par>
+                          <p:cTn id="16" fill="hold">
+                            <p:stCondLst>
+                              <p:cond delay="0"/>
+                            </p:stCondLst>
+                            <p:childTnLst>
+                              <p:par>
+                                <p:cTn id="17" presetID="1" presetClass="entr" presetSubtype="0" fill="hold" nodeType="clickEffect">
+                                  <p:stCondLst>
+                                    <p:cond delay="0"/>
+                                  </p:stCondLst>
+                                  <p:childTnLst>
+                                    <p:set>
+                                      <p:cBhvr>
+                                        <p:cTn id="18" dur="1" fill="hold">
+                                          <p:stCondLst>
+                                            <p:cond delay="0"/>
+                                          </p:stCondLst>
+                                        </p:cTn>
+                                        <p:tgtEl>
+                                          <p:spTgt spid="41"/>
+                                        </p:tgtEl>
+                                        <p:attrNameLst>
+                                          <p:attrName>style.visibility</p:attrName>
+                                        </p:attrNameLst>
+                                      </p:cBhvr>
+                                      <p:to>
+                                        <p:strVal val="visible"/>
+                                      </p:to>
+                                    </p:set>
+                                  </p:childTnLst>
+                                </p:cTn>
+                              </p:par>
+                            </p:childTnLst>
+                          </p:cTn>
+                        </p:par>
+                      </p:childTnLst>
+                    </p:cTn>
+                  </p:par>
+                  <p:par>
+                    <p:cTn id="19" fill="hold">
+                      <p:stCondLst>
+                        <p:cond delay="indefinite"/>
+                      </p:stCondLst>
+                      <p:childTnLst>
+                        <p:par>
+                          <p:cTn id="20" fill="hold">
+                            <p:stCondLst>
+                              <p:cond delay="0"/>
+                            </p:stCondLst>
+                            <p:childTnLst>
+                              <p:par>
+                                <p:cTn id="21" presetID="1" presetClass="entr" presetSubtype="0" fill="hold" nodeType="clickEffect">
+                                  <p:stCondLst>
+                                    <p:cond delay="0"/>
+                                  </p:stCondLst>
+                                  <p:childTnLst>
+                                    <p:set>
+                                      <p:cBhvr>
+                                        <p:cTn id="22" dur="1" fill="hold">
+                                          <p:stCondLst>
+                                            <p:cond delay="0"/>
+                                          </p:stCondLst>
+                                        </p:cTn>
+                                        <p:tgtEl>
+                                          <p:spTgt spid="42"/>
+                                        </p:tgtEl>
+                                        <p:attrNameLst>
+                                          <p:attrName>style.visibility</p:attrName>
+                                        </p:attrNameLst>
+                                      </p:cBhvr>
+                                      <p:to>
+                                        <p:strVal val="visible"/>
+                                      </p:to>
+                                    </p:set>
+                                  </p:childTnLst>
+                                </p:cTn>
+                              </p:par>
+                            </p:childTnLst>
+                          </p:cTn>
+                        </p:par>
+                      </p:childTnLst>
+                    </p:cTn>
+                  </p:par>
+                </p:childTnLst>
+              </p:cTn>
+              <p:prevCondLst>
+                <p:cond evt="onPrev" delay="0">
+                  <p:tgtEl>
+                    <p:sldTgt/>
+                  </p:tgtEl>
+                </p:cond>
+              </p:prevCondLst>
+              <p:nextCondLst>
+                <p:cond evt="onNext" delay="0">
+                  <p:tgtEl>
+                    <p:sldTgt/>
+                  </p:tgtEl>
+                </p:cond>
+              </p:nextCondLst>
+            </p:seq>
+          </p:childTnLst>
+        </p:cTn>
+      </p:par>
+    </p:tnLst>
+  </p:timing>
+</p:sld>
+</file>
+
+<file path=ppt/slides/slide2.xml><?xml version="1.0" encoding="utf-8"?>
+<p:sld xmlns:a="http://schemas.openxmlformats.org/drawingml/2006/main" xmlns:r="http://schemas.openxmlformats.org/officeDocument/2006/relationships" xmlns:p="http://schemas.openxmlformats.org/presentationml/2006/main">
+  <p:cSld>
+    <p:spTree>
+      <p:nvGrpSpPr>
+        <p:cNvPr id="1" name=""/>
+        <p:cNvGrpSpPr/>
+        <p:nvPr/>
+      </p:nvGrpSpPr>
+      <p:grpSpPr>
+        <a:xfrm>
+          <a:off x="0" y="0"/>
+          <a:ext cx="0" cy="0"/>
+          <a:chOff x="0" y="0"/>
+          <a:chExt cx="0" cy="0"/>
+        </a:xfrm>
+      </p:grpSpPr>
+      <p:sp>
+        <p:nvSpPr>
+          <p:cNvPr id="2" name="Rectangle 1">
+            <a:extLst>
+              <a:ext uri="{FF2B5EF4-FFF2-40B4-BE49-F238E27FC236}">
+                <a16:creationId xmlns:a16="http://schemas.microsoft.com/office/drawing/2014/main" id="{1E78961E-80D6-4CE5-B56C-2063A6632072}"/>
+              </a:ext>
+            </a:extLst>
+          </p:cNvPr>
+          <p:cNvSpPr/>
+          <p:nvPr/>
+        </p:nvSpPr>
+        <p:spPr>
+          <a:xfrm>
+            <a:off x="378690" y="1952812"/>
+            <a:ext cx="11397673" cy="4465786"/>
+          </a:xfrm>
+          <a:prstGeom prst="rect">
+            <a:avLst/>
+          </a:prstGeom>
+          <a:solidFill>
+            <a:schemeClr val="bg2"/>
+          </a:solidFill>
+        </p:spPr>
+        <p:style>
+          <a:lnRef idx="2">
+            <a:schemeClr val="accent1">
+              <a:shade val="50000"/>
+            </a:schemeClr>
+          </a:lnRef>
+          <a:fillRef idx="1">
+            <a:schemeClr val="accent1"/>
+          </a:fillRef>
+          <a:effectRef idx="0">
+            <a:schemeClr val="accent1"/>
+          </a:effectRef>
+          <a:fontRef idx="minor">
+            <a:schemeClr val="lt1"/>
+          </a:fontRef>
+        </p:style>
+        <p:txBody>
+          <a:bodyPr rtlCol="0" anchor="t"/>
+          <a:lstStyle/>
+          <a:p>
+            <a:pPr marL="0" marR="0" lvl="0" indent="0" algn="l" defTabSz="914400" rtl="0" eaLnBrk="1" fontAlgn="auto" latinLnBrk="0" hangingPunct="1">
+              <a:lnSpc>
+                <a:spcPct val="100000"/>
+              </a:lnSpc>
+              <a:spcBef>
+                <a:spcPts val="0"/>
+              </a:spcBef>
+              <a:spcAft>
+                <a:spcPts val="0"/>
+              </a:spcAft>
+              <a:buClrTx/>
+              <a:buSzTx/>
+              <a:buFontTx/>
+              <a:buNone/>
+              <a:tabLst/>
+              <a:defRPr/>
+            </a:pPr>
+            <a:r>
+              <a:rPr kumimoji="0" lang="en-AU" sz="1800" b="0" i="0" u="none" strike="noStrike" kern="1200" cap="none" spc="0" normalizeH="0" baseline="0" noProof="0" dirty="0">
+                <a:ln>
+                  <a:noFill/>
+                </a:ln>
+                <a:solidFill>
+                  <a:prstClr val="black"/>
+                </a:solidFill>
+                <a:effectLst/>
+                <a:uLnTx/>
+                <a:uFillTx/>
+                <a:latin typeface="Calibri" panose="020F0502020204030204"/>
+                <a:ea typeface="+mn-ea"/>
+                <a:cs typeface="+mn-cs"/>
+              </a:rPr>
+              <a:t>                    Azure Sphere MT3620</a:t>
+            </a:r>
+          </a:p>
+        </p:txBody>
+      </p:sp>
+      <p:sp>
+        <p:nvSpPr>
+          <p:cNvPr id="3" name="Rectangle 2">
+            <a:extLst>
+              <a:ext uri="{FF2B5EF4-FFF2-40B4-BE49-F238E27FC236}">
+                <a16:creationId xmlns:a16="http://schemas.microsoft.com/office/drawing/2014/main" id="{1D02EFEE-E66C-4796-ACDB-D40750CDAD36}"/>
+              </a:ext>
+            </a:extLst>
+          </p:cNvPr>
+          <p:cNvSpPr/>
+          <p:nvPr/>
+        </p:nvSpPr>
+        <p:spPr>
+          <a:xfrm>
+            <a:off x="748145" y="2474667"/>
+            <a:ext cx="4066376" cy="3676077"/>
+          </a:xfrm>
+          <a:prstGeom prst="rect">
+            <a:avLst/>
+          </a:prstGeom>
+          <a:gradFill flip="none" rotWithShape="1">
+            <a:gsLst>
+              <a:gs pos="0">
+                <a:schemeClr val="bg2">
+                  <a:lumMod val="75000"/>
+                  <a:shade val="30000"/>
+                  <a:satMod val="115000"/>
+                </a:schemeClr>
+              </a:gs>
+              <a:gs pos="50000">
+                <a:schemeClr val="bg2">
+                  <a:lumMod val="75000"/>
+                  <a:shade val="67500"/>
+                  <a:satMod val="115000"/>
+                </a:schemeClr>
+              </a:gs>
+              <a:gs pos="100000">
+                <a:schemeClr val="bg2">
+                  <a:lumMod val="75000"/>
+                  <a:shade val="100000"/>
+                  <a:satMod val="115000"/>
+                </a:schemeClr>
+              </a:gs>
+            </a:gsLst>
+            <a:lin ang="2700000" scaled="1"/>
+            <a:tileRect/>
+          </a:gradFill>
+          <a:ln>
+            <a:solidFill>
+              <a:schemeClr val="bg2">
+                <a:lumMod val="75000"/>
+              </a:schemeClr>
+            </a:solidFill>
+          </a:ln>
+        </p:spPr>
+        <p:style>
+          <a:lnRef idx="2">
+            <a:schemeClr val="accent1">
+              <a:shade val="50000"/>
+            </a:schemeClr>
+          </a:lnRef>
+          <a:fillRef idx="1">
+            <a:schemeClr val="accent1"/>
+          </a:fillRef>
+          <a:effectRef idx="0">
+            <a:schemeClr val="accent1"/>
+          </a:effectRef>
+          <a:fontRef idx="minor">
+            <a:schemeClr val="lt1"/>
+          </a:fontRef>
+        </p:style>
+        <p:txBody>
+          <a:bodyPr rtlCol="0" anchor="t"/>
+          <a:lstStyle/>
+          <a:p>
+            <a:pPr marL="0" marR="0" lvl="0" indent="0" algn="ctr" defTabSz="914400" rtl="0" eaLnBrk="1" fontAlgn="auto" latinLnBrk="0" hangingPunct="1">
+              <a:lnSpc>
+                <a:spcPct val="100000"/>
+              </a:lnSpc>
+              <a:spcBef>
+                <a:spcPts val="0"/>
+              </a:spcBef>
+              <a:spcAft>
+                <a:spcPts val="0"/>
+              </a:spcAft>
+              <a:buClrTx/>
+              <a:buSzTx/>
+              <a:buFontTx/>
+              <a:buNone/>
+              <a:tabLst/>
+              <a:defRPr/>
+            </a:pPr>
+            <a:r>
+              <a:rPr kumimoji="0" lang="en-AU" sz="1800" b="0" i="0" u="none" strike="noStrike" kern="1200" cap="none" spc="0" normalizeH="0" baseline="0" noProof="0">
+                <a:ln>
+                  <a:noFill/>
+                </a:ln>
+                <a:solidFill>
+                  <a:prstClr val="white"/>
+                </a:solidFill>
+                <a:effectLst/>
+                <a:uLnTx/>
+                <a:uFillTx/>
+                <a:latin typeface="Calibri" panose="020F0502020204030204"/>
+                <a:ea typeface="+mn-ea"/>
+                <a:cs typeface="+mn-cs"/>
+              </a:rPr>
+              <a:t>Cortex A7 Application core</a:t>
+            </a:r>
+          </a:p>
+        </p:txBody>
+      </p:sp>
+      <p:sp>
+        <p:nvSpPr>
+          <p:cNvPr id="4" name="Rectangle 3">
+            <a:extLst>
+              <a:ext uri="{FF2B5EF4-FFF2-40B4-BE49-F238E27FC236}">
+                <a16:creationId xmlns:a16="http://schemas.microsoft.com/office/drawing/2014/main" id="{FF71B390-68A8-4AB1-9880-50BC3D081232}"/>
+              </a:ext>
+            </a:extLst>
+          </p:cNvPr>
+          <p:cNvSpPr/>
+          <p:nvPr/>
+        </p:nvSpPr>
+        <p:spPr>
+          <a:xfrm>
+            <a:off x="7370613" y="2474667"/>
+            <a:ext cx="4073241" cy="3676077"/>
+          </a:xfrm>
+          <a:prstGeom prst="rect">
+            <a:avLst/>
+          </a:prstGeom>
+          <a:gradFill flip="none" rotWithShape="1">
+            <a:gsLst>
+              <a:gs pos="0">
+                <a:schemeClr val="accent5">
+                  <a:lumMod val="75000"/>
+                  <a:shade val="30000"/>
+                  <a:satMod val="115000"/>
+                </a:schemeClr>
+              </a:gs>
+              <a:gs pos="50000">
+                <a:schemeClr val="accent5">
+                  <a:lumMod val="75000"/>
+                  <a:shade val="67500"/>
+                  <a:satMod val="115000"/>
+                </a:schemeClr>
+              </a:gs>
+              <a:gs pos="100000">
+                <a:schemeClr val="accent5">
+                  <a:lumMod val="75000"/>
+                  <a:shade val="100000"/>
+                  <a:satMod val="115000"/>
+                </a:schemeClr>
+              </a:gs>
+            </a:gsLst>
+            <a:lin ang="2700000" scaled="1"/>
+            <a:tileRect/>
+          </a:gradFill>
+        </p:spPr>
+        <p:style>
+          <a:lnRef idx="2">
+            <a:schemeClr val="accent1">
+              <a:shade val="50000"/>
+            </a:schemeClr>
+          </a:lnRef>
+          <a:fillRef idx="1">
+            <a:schemeClr val="accent1"/>
+          </a:fillRef>
+          <a:effectRef idx="0">
+            <a:schemeClr val="accent1"/>
+          </a:effectRef>
+          <a:fontRef idx="minor">
+            <a:schemeClr val="lt1"/>
+          </a:fontRef>
+        </p:style>
+        <p:txBody>
+          <a:bodyPr rtlCol="0" anchor="t"/>
+          <a:lstStyle/>
+          <a:p>
+            <a:pPr marL="0" marR="0" lvl="0" indent="0" algn="ctr" defTabSz="914400" rtl="0" eaLnBrk="1" fontAlgn="auto" latinLnBrk="0" hangingPunct="1">
+              <a:lnSpc>
+                <a:spcPct val="100000"/>
+              </a:lnSpc>
+              <a:spcBef>
+                <a:spcPts val="0"/>
+              </a:spcBef>
+              <a:spcAft>
+                <a:spcPts val="0"/>
+              </a:spcAft>
+              <a:buClrTx/>
+              <a:buSzTx/>
+              <a:buFontTx/>
+              <a:buNone/>
+              <a:tabLst/>
+              <a:defRPr/>
+            </a:pPr>
+            <a:r>
+              <a:rPr kumimoji="0" lang="en-AU" sz="1800" b="0" i="0" u="none" strike="noStrike" kern="1200" cap="none" spc="0" normalizeH="0" baseline="0" noProof="0">
+                <a:ln>
+                  <a:noFill/>
+                </a:ln>
+                <a:solidFill>
+                  <a:prstClr val="white"/>
+                </a:solidFill>
+                <a:effectLst/>
+                <a:uLnTx/>
+                <a:uFillTx/>
+                <a:latin typeface="Calibri" panose="020F0502020204030204"/>
+                <a:ea typeface="+mn-ea"/>
+                <a:cs typeface="+mn-cs"/>
+              </a:rPr>
+              <a:t>Cortex M4 Real-time core</a:t>
+            </a:r>
+          </a:p>
+        </p:txBody>
+      </p:sp>
+      <p:sp>
+        <p:nvSpPr>
+          <p:cNvPr id="5" name="Rectangle 4">
+            <a:extLst>
+              <a:ext uri="{FF2B5EF4-FFF2-40B4-BE49-F238E27FC236}">
+                <a16:creationId xmlns:a16="http://schemas.microsoft.com/office/drawing/2014/main" id="{CE81BE68-8510-47F5-A9CE-2156D3DF9045}"/>
+              </a:ext>
+            </a:extLst>
+          </p:cNvPr>
+          <p:cNvSpPr/>
+          <p:nvPr/>
+        </p:nvSpPr>
+        <p:spPr>
+          <a:xfrm>
+            <a:off x="5279771" y="2474667"/>
+            <a:ext cx="1632457" cy="3676078"/>
+          </a:xfrm>
+          <a:prstGeom prst="rect">
+            <a:avLst/>
+          </a:prstGeom>
+          <a:gradFill flip="none" rotWithShape="1">
+            <a:gsLst>
+              <a:gs pos="0">
+                <a:schemeClr val="accent6">
+                  <a:lumMod val="60000"/>
+                  <a:lumOff val="40000"/>
+                  <a:shade val="30000"/>
+                  <a:satMod val="115000"/>
+                </a:schemeClr>
+              </a:gs>
+              <a:gs pos="50000">
+                <a:schemeClr val="accent6">
+                  <a:lumMod val="60000"/>
+                  <a:lumOff val="40000"/>
+                  <a:shade val="67500"/>
+                  <a:satMod val="115000"/>
+                </a:schemeClr>
+              </a:gs>
+              <a:gs pos="100000">
+                <a:schemeClr val="accent6">
+                  <a:lumMod val="60000"/>
+                  <a:lumOff val="40000"/>
+                  <a:shade val="100000"/>
+                  <a:satMod val="115000"/>
+                </a:schemeClr>
+              </a:gs>
+            </a:gsLst>
+            <a:lin ang="2700000" scaled="1"/>
+            <a:tileRect/>
+          </a:gradFill>
+          <a:ln>
+            <a:solidFill>
+              <a:srgbClr val="92D050"/>
+            </a:solidFill>
+          </a:ln>
+        </p:spPr>
+        <p:style>
+          <a:lnRef idx="2">
+            <a:schemeClr val="accent1">
+              <a:shade val="50000"/>
+            </a:schemeClr>
+          </a:lnRef>
+          <a:fillRef idx="1">
+            <a:schemeClr val="accent1"/>
+          </a:fillRef>
+          <a:effectRef idx="0">
+            <a:schemeClr val="accent1"/>
+          </a:effectRef>
+          <a:fontRef idx="minor">
+            <a:schemeClr val="lt1"/>
+          </a:fontRef>
+        </p:style>
+        <p:txBody>
+          <a:bodyPr vert="horz" rtlCol="0" anchor="ctr"/>
+          <a:lstStyle/>
+          <a:p>
+            <a:pPr marL="0" marR="0" lvl="0" indent="0" algn="ctr" defTabSz="914400" rtl="0" eaLnBrk="1" fontAlgn="auto" latinLnBrk="0" hangingPunct="1">
+              <a:lnSpc>
+                <a:spcPct val="100000"/>
+              </a:lnSpc>
+              <a:spcBef>
+                <a:spcPts val="0"/>
+              </a:spcBef>
+              <a:spcAft>
+                <a:spcPts val="0"/>
+              </a:spcAft>
+              <a:buClrTx/>
+              <a:buSzTx/>
+              <a:buFontTx/>
+              <a:buNone/>
+              <a:tabLst/>
+              <a:defRPr/>
+            </a:pPr>
+            <a:r>
+              <a:rPr kumimoji="0" lang="en-AU" sz="2400" b="0" i="0" u="none" strike="noStrike" kern="1200" cap="none" spc="0" normalizeH="0" baseline="0" noProof="0">
+                <a:ln>
+                  <a:noFill/>
+                </a:ln>
+                <a:solidFill>
+                  <a:prstClr val="white"/>
+                </a:solidFill>
+                <a:effectLst/>
+                <a:uLnTx/>
+                <a:uFillTx/>
+                <a:latin typeface="Calibri" panose="020F0502020204030204"/>
+                <a:ea typeface="+mn-ea"/>
+                <a:cs typeface="+mn-cs"/>
+              </a:rPr>
+              <a:t>Intercore</a:t>
+            </a:r>
+            <a:r>
+              <a:rPr kumimoji="0" lang="en-AU" sz="2400" b="0" i="0" u="none" strike="noStrike" kern="1200" cap="none" spc="0" normalizeH="0" baseline="0" noProof="0" dirty="0">
+                <a:ln>
+                  <a:noFill/>
+                </a:ln>
+                <a:solidFill>
+                  <a:prstClr val="white"/>
+                </a:solidFill>
+                <a:effectLst/>
+                <a:uLnTx/>
+                <a:uFillTx/>
+                <a:latin typeface="Calibri" panose="020F0502020204030204"/>
+                <a:ea typeface="+mn-ea"/>
+                <a:cs typeface="+mn-cs"/>
+              </a:rPr>
+              <a:t> </a:t>
+            </a:r>
+          </a:p>
+          <a:p>
+            <a:pPr marL="0" marR="0" lvl="0" indent="0" algn="ctr" defTabSz="914400" rtl="0" eaLnBrk="1" fontAlgn="auto" latinLnBrk="0" hangingPunct="1">
+              <a:lnSpc>
+                <a:spcPct val="100000"/>
+              </a:lnSpc>
+              <a:spcBef>
+                <a:spcPts val="0"/>
+              </a:spcBef>
+              <a:spcAft>
+                <a:spcPts val="0"/>
+              </a:spcAft>
+              <a:buClrTx/>
+              <a:buSzTx/>
+              <a:buFontTx/>
+              <a:buNone/>
+              <a:tabLst/>
+              <a:defRPr/>
+            </a:pPr>
+            <a:r>
+              <a:rPr kumimoji="0" lang="en-AU" sz="2400" b="0" i="0" u="none" strike="noStrike" kern="1200" cap="none" spc="0" normalizeH="0" baseline="0" noProof="0" dirty="0">
+                <a:ln>
+                  <a:noFill/>
+                </a:ln>
+                <a:solidFill>
+                  <a:prstClr val="white"/>
+                </a:solidFill>
+                <a:effectLst/>
+                <a:uLnTx/>
+                <a:uFillTx/>
+                <a:latin typeface="Calibri" panose="020F0502020204030204"/>
+                <a:ea typeface="+mn-ea"/>
+                <a:cs typeface="+mn-cs"/>
+              </a:rPr>
+              <a:t>Message bridge</a:t>
+            </a:r>
+          </a:p>
+        </p:txBody>
+      </p:sp>
+      <p:sp>
+        <p:nvSpPr>
+          <p:cNvPr id="6" name="Rectangle 5">
+            <a:extLst>
+              <a:ext uri="{FF2B5EF4-FFF2-40B4-BE49-F238E27FC236}">
+                <a16:creationId xmlns:a16="http://schemas.microsoft.com/office/drawing/2014/main" id="{544B8A83-6052-4D5F-B5FF-E520C46B7688}"/>
+              </a:ext>
+            </a:extLst>
+          </p:cNvPr>
+          <p:cNvSpPr/>
+          <p:nvPr/>
+        </p:nvSpPr>
+        <p:spPr>
+          <a:xfrm>
+            <a:off x="7763158" y="3181248"/>
+            <a:ext cx="3265055" cy="2678546"/>
+          </a:xfrm>
+          <a:prstGeom prst="rect">
+            <a:avLst/>
+          </a:prstGeom>
+          <a:gradFill flip="none" rotWithShape="1">
+            <a:gsLst>
+              <a:gs pos="0">
+                <a:srgbClr val="FF0000">
+                  <a:shade val="30000"/>
+                  <a:satMod val="115000"/>
+                </a:srgbClr>
+              </a:gs>
+              <a:gs pos="50000">
+                <a:srgbClr val="FF0000">
+                  <a:shade val="67500"/>
+                  <a:satMod val="115000"/>
+                </a:srgbClr>
+              </a:gs>
+              <a:gs pos="100000">
+                <a:srgbClr val="FF0000">
+                  <a:shade val="100000"/>
+                  <a:satMod val="115000"/>
+                </a:srgbClr>
+              </a:gs>
+            </a:gsLst>
+            <a:lin ang="2700000" scaled="1"/>
+            <a:tileRect/>
+          </a:gradFill>
+        </p:spPr>
+        <p:style>
+          <a:lnRef idx="2">
+            <a:schemeClr val="accent1">
+              <a:shade val="50000"/>
+            </a:schemeClr>
+          </a:lnRef>
+          <a:fillRef idx="1">
+            <a:schemeClr val="accent1"/>
+          </a:fillRef>
+          <a:effectRef idx="0">
+            <a:schemeClr val="accent1"/>
+          </a:effectRef>
+          <a:fontRef idx="minor">
+            <a:schemeClr val="lt1"/>
+          </a:fontRef>
+        </p:style>
+        <p:txBody>
+          <a:bodyPr rtlCol="0" anchor="t"/>
+          <a:lstStyle/>
+          <a:p>
+            <a:pPr marL="0" marR="0" lvl="0" indent="0" algn="ctr" defTabSz="914400" rtl="0" eaLnBrk="1" fontAlgn="auto" latinLnBrk="0" hangingPunct="1">
+              <a:lnSpc>
+                <a:spcPct val="100000"/>
+              </a:lnSpc>
+              <a:spcBef>
+                <a:spcPts val="0"/>
+              </a:spcBef>
+              <a:spcAft>
+                <a:spcPts val="0"/>
+              </a:spcAft>
+              <a:buClrTx/>
+              <a:buSzTx/>
+              <a:buFontTx/>
+              <a:buNone/>
+              <a:tabLst/>
+              <a:defRPr/>
+            </a:pPr>
+            <a:r>
+              <a:rPr kumimoji="0" lang="en-AU" sz="1800" b="0" i="0" u="none" strike="noStrike" kern="1200" cap="none" spc="0" normalizeH="0" baseline="0" noProof="0">
+                <a:ln>
+                  <a:noFill/>
+                </a:ln>
+                <a:solidFill>
+                  <a:prstClr val="white"/>
+                </a:solidFill>
+                <a:effectLst/>
+                <a:uLnTx/>
+                <a:uFillTx/>
+                <a:latin typeface="Calibri" panose="020F0502020204030204"/>
+                <a:ea typeface="+mn-ea"/>
+                <a:cs typeface="+mn-cs"/>
+              </a:rPr>
+              <a:t>Azure RTOS </a:t>
+            </a:r>
+            <a:r>
+              <a:rPr kumimoji="0" lang="en-AU" sz="1800" b="0" i="0" u="none" strike="noStrike" kern="1200" cap="none" spc="0" normalizeH="0" baseline="0" noProof="0" err="1">
+                <a:ln>
+                  <a:noFill/>
+                </a:ln>
+                <a:solidFill>
+                  <a:prstClr val="white"/>
+                </a:solidFill>
+                <a:effectLst/>
+                <a:uLnTx/>
+                <a:uFillTx/>
+                <a:latin typeface="Calibri" panose="020F0502020204030204"/>
+                <a:ea typeface="+mn-ea"/>
+                <a:cs typeface="+mn-cs"/>
+              </a:rPr>
+              <a:t>ThreadX</a:t>
+            </a:r>
+            <a:endParaRPr kumimoji="0" lang="en-AU" sz="1800" b="0" i="0" u="none" strike="noStrike" kern="1200" cap="none" spc="0" normalizeH="0" baseline="0" noProof="0">
+              <a:ln>
+                <a:noFill/>
+              </a:ln>
+              <a:solidFill>
+                <a:prstClr val="white"/>
+              </a:solidFill>
+              <a:effectLst/>
+              <a:uLnTx/>
+              <a:uFillTx/>
+              <a:latin typeface="Calibri" panose="020F0502020204030204"/>
+              <a:ea typeface="+mn-ea"/>
+              <a:cs typeface="+mn-cs"/>
+            </a:endParaRPr>
+          </a:p>
+        </p:txBody>
+      </p:sp>
+      <p:sp>
+        <p:nvSpPr>
+          <p:cNvPr id="14" name="Rectangle 13">
+            <a:extLst>
+              <a:ext uri="{FF2B5EF4-FFF2-40B4-BE49-F238E27FC236}">
+                <a16:creationId xmlns:a16="http://schemas.microsoft.com/office/drawing/2014/main" id="{B3132798-40E6-4792-B312-9D063C0142D6}"/>
+              </a:ext>
+            </a:extLst>
+          </p:cNvPr>
+          <p:cNvSpPr/>
+          <p:nvPr/>
+        </p:nvSpPr>
+        <p:spPr>
+          <a:xfrm>
+            <a:off x="1163786" y="3167540"/>
+            <a:ext cx="3267353" cy="2678546"/>
+          </a:xfrm>
+          <a:prstGeom prst="rect">
+            <a:avLst/>
+          </a:prstGeom>
+        </p:spPr>
+        <p:style>
+          <a:lnRef idx="2">
+            <a:schemeClr val="accent1">
+              <a:shade val="50000"/>
+            </a:schemeClr>
+          </a:lnRef>
+          <a:fillRef idx="1">
+            <a:schemeClr val="accent1"/>
+          </a:fillRef>
+          <a:effectRef idx="0">
+            <a:schemeClr val="accent1"/>
+          </a:effectRef>
+          <a:fontRef idx="minor">
+            <a:schemeClr val="lt1"/>
+          </a:fontRef>
+        </p:style>
+        <p:txBody>
+          <a:bodyPr rtlCol="0" anchor="t"/>
+          <a:lstStyle/>
+          <a:p>
+            <a:pPr marL="0" marR="0" lvl="0" indent="0" algn="ctr" defTabSz="914400" rtl="0" eaLnBrk="1" fontAlgn="auto" latinLnBrk="0" hangingPunct="1">
+              <a:lnSpc>
+                <a:spcPct val="100000"/>
+              </a:lnSpc>
+              <a:spcBef>
+                <a:spcPts val="0"/>
+              </a:spcBef>
+              <a:spcAft>
+                <a:spcPts val="0"/>
+              </a:spcAft>
+              <a:buClrTx/>
+              <a:buSzTx/>
+              <a:buFontTx/>
+              <a:buNone/>
+              <a:tabLst/>
+              <a:defRPr/>
+            </a:pPr>
+            <a:r>
+              <a:rPr kumimoji="0" lang="en-AU" sz="1800" b="0" i="0" u="none" strike="noStrike" kern="1200" cap="none" spc="0" normalizeH="0" baseline="0" noProof="0" dirty="0">
+                <a:ln>
+                  <a:noFill/>
+                </a:ln>
+                <a:solidFill>
+                  <a:prstClr val="white"/>
+                </a:solidFill>
+                <a:effectLst/>
+                <a:uLnTx/>
+                <a:uFillTx/>
+                <a:latin typeface="Calibri" panose="020F0502020204030204"/>
+                <a:ea typeface="+mn-ea"/>
+                <a:cs typeface="+mn-cs"/>
+              </a:rPr>
+              <a:t>High-level application</a:t>
+            </a:r>
+          </a:p>
+        </p:txBody>
+      </p:sp>
+      <p:sp>
+        <p:nvSpPr>
+          <p:cNvPr id="15" name="Rectangle 14">
+            <a:extLst>
+              <a:ext uri="{FF2B5EF4-FFF2-40B4-BE49-F238E27FC236}">
+                <a16:creationId xmlns:a16="http://schemas.microsoft.com/office/drawing/2014/main" id="{6FFA6AF3-869D-4720-BC27-0C6085977ECA}"/>
+              </a:ext>
+            </a:extLst>
+          </p:cNvPr>
+          <p:cNvSpPr/>
+          <p:nvPr/>
+        </p:nvSpPr>
+        <p:spPr>
+          <a:xfrm>
+            <a:off x="1468582" y="3618959"/>
+            <a:ext cx="2685322" cy="2022763"/>
+          </a:xfrm>
+          <a:prstGeom prst="rect">
+            <a:avLst/>
+          </a:prstGeom>
+          <a:solidFill>
+            <a:schemeClr val="accent4">
+              <a:lumMod val="75000"/>
+            </a:schemeClr>
+          </a:solidFill>
+        </p:spPr>
+        <p:style>
+          <a:lnRef idx="2">
+            <a:schemeClr val="accent1">
+              <a:shade val="50000"/>
+            </a:schemeClr>
+          </a:lnRef>
+          <a:fillRef idx="1">
+            <a:schemeClr val="accent1"/>
+          </a:fillRef>
+          <a:effectRef idx="0">
+            <a:schemeClr val="accent1"/>
+          </a:effectRef>
+          <a:fontRef idx="minor">
+            <a:schemeClr val="lt1"/>
+          </a:fontRef>
+        </p:style>
+        <p:txBody>
+          <a:bodyPr rtlCol="0" anchor="t"/>
+          <a:lstStyle/>
+          <a:p>
+            <a:pPr marL="0" marR="0" lvl="0" indent="0" algn="ctr" defTabSz="914400" rtl="0" eaLnBrk="1" fontAlgn="auto" latinLnBrk="0" hangingPunct="1">
+              <a:lnSpc>
+                <a:spcPct val="100000"/>
+              </a:lnSpc>
+              <a:spcBef>
+                <a:spcPts val="0"/>
+              </a:spcBef>
+              <a:spcAft>
+                <a:spcPts val="0"/>
+              </a:spcAft>
+              <a:buClrTx/>
+              <a:buSzTx/>
+              <a:buFontTx/>
+              <a:buNone/>
+              <a:tabLst/>
+              <a:defRPr/>
+            </a:pPr>
+            <a:endParaRPr kumimoji="0" lang="en-AU" sz="1800" b="0" i="0" u="none" strike="noStrike" kern="1200" cap="none" spc="0" normalizeH="0" baseline="0" noProof="0">
+              <a:ln>
+                <a:noFill/>
+              </a:ln>
+              <a:solidFill>
+                <a:prstClr val="white"/>
+              </a:solidFill>
+              <a:effectLst/>
+              <a:uLnTx/>
+              <a:uFillTx/>
+              <a:latin typeface="Calibri" panose="020F0502020204030204"/>
+              <a:ea typeface="+mn-ea"/>
+              <a:cs typeface="+mn-cs"/>
+            </a:endParaRPr>
+          </a:p>
+        </p:txBody>
+      </p:sp>
+      <p:sp>
+        <p:nvSpPr>
+          <p:cNvPr id="24" name="Rectangle 23">
+            <a:extLst>
+              <a:ext uri="{FF2B5EF4-FFF2-40B4-BE49-F238E27FC236}">
+                <a16:creationId xmlns:a16="http://schemas.microsoft.com/office/drawing/2014/main" id="{7F42FEED-1FFD-46A0-BD40-AFBE389E32A7}"/>
+              </a:ext>
+            </a:extLst>
+          </p:cNvPr>
+          <p:cNvSpPr/>
+          <p:nvPr/>
+        </p:nvSpPr>
+        <p:spPr>
+          <a:xfrm>
+            <a:off x="1579939" y="3737286"/>
+            <a:ext cx="2460454" cy="783235"/>
+          </a:xfrm>
+          <a:prstGeom prst="rect">
+            <a:avLst/>
+          </a:prstGeom>
+          <a:solidFill>
+            <a:schemeClr val="accent4">
+              <a:lumMod val="75000"/>
+            </a:schemeClr>
+          </a:solidFill>
+        </p:spPr>
+        <p:style>
+          <a:lnRef idx="2">
+            <a:schemeClr val="accent1">
+              <a:shade val="50000"/>
+            </a:schemeClr>
+          </a:lnRef>
+          <a:fillRef idx="1">
+            <a:schemeClr val="accent1"/>
+          </a:fillRef>
+          <a:effectRef idx="0">
+            <a:schemeClr val="accent1"/>
+          </a:effectRef>
+          <a:fontRef idx="minor">
+            <a:schemeClr val="lt1"/>
+          </a:fontRef>
+        </p:style>
+        <p:txBody>
+          <a:bodyPr rtlCol="0" anchor="ctr"/>
+          <a:lstStyle/>
+          <a:p>
+            <a:pPr marL="0" marR="0" lvl="0" indent="0" algn="ctr" defTabSz="914400" rtl="0" eaLnBrk="1" fontAlgn="auto" latinLnBrk="0" hangingPunct="1">
+              <a:lnSpc>
+                <a:spcPct val="100000"/>
+              </a:lnSpc>
+              <a:spcBef>
+                <a:spcPts val="0"/>
+              </a:spcBef>
+              <a:spcAft>
+                <a:spcPts val="0"/>
+              </a:spcAft>
+              <a:buClrTx/>
+              <a:buSzTx/>
+              <a:buFontTx/>
+              <a:buNone/>
+              <a:tabLst/>
+              <a:defRPr/>
+            </a:pPr>
+            <a:r>
+              <a:rPr kumimoji="0" lang="en-AU" sz="1800" b="0" i="0" u="none" strike="noStrike" kern="1200" cap="none" spc="0" normalizeH="0" baseline="0" noProof="0">
+                <a:ln>
+                  <a:noFill/>
+                </a:ln>
+                <a:solidFill>
+                  <a:prstClr val="white"/>
+                </a:solidFill>
+                <a:effectLst/>
+                <a:uLnTx/>
+                <a:uFillTx/>
+                <a:latin typeface="Calibri" panose="020F0502020204030204"/>
+                <a:ea typeface="+mn-ea"/>
+                <a:cs typeface="+mn-cs"/>
+              </a:rPr>
+              <a:t>Request Environment Telemetry</a:t>
+            </a:r>
+          </a:p>
+        </p:txBody>
+      </p:sp>
+      <p:sp>
+        <p:nvSpPr>
+          <p:cNvPr id="28" name="Rectangle 27">
+            <a:extLst>
+              <a:ext uri="{FF2B5EF4-FFF2-40B4-BE49-F238E27FC236}">
+                <a16:creationId xmlns:a16="http://schemas.microsoft.com/office/drawing/2014/main" id="{D56EAC21-C27E-474C-B430-40993787770D}"/>
+              </a:ext>
+            </a:extLst>
+          </p:cNvPr>
+          <p:cNvSpPr/>
+          <p:nvPr/>
+        </p:nvSpPr>
+        <p:spPr>
+          <a:xfrm>
+            <a:off x="1579939" y="4764161"/>
+            <a:ext cx="2460454" cy="783235"/>
+          </a:xfrm>
+          <a:prstGeom prst="rect">
+            <a:avLst/>
+          </a:prstGeom>
+          <a:solidFill>
+            <a:schemeClr val="accent4">
+              <a:lumMod val="75000"/>
+            </a:schemeClr>
+          </a:solidFill>
+        </p:spPr>
+        <p:style>
+          <a:lnRef idx="2">
+            <a:schemeClr val="accent1">
+              <a:shade val="50000"/>
+            </a:schemeClr>
+          </a:lnRef>
+          <a:fillRef idx="1">
+            <a:schemeClr val="accent1"/>
+          </a:fillRef>
+          <a:effectRef idx="0">
+            <a:schemeClr val="accent1"/>
+          </a:effectRef>
+          <a:fontRef idx="minor">
+            <a:schemeClr val="lt1"/>
+          </a:fontRef>
+        </p:style>
+        <p:txBody>
+          <a:bodyPr rtlCol="0" anchor="ctr"/>
+          <a:lstStyle/>
+          <a:p>
+            <a:pPr marL="0" marR="0" lvl="0" indent="0" algn="ctr" defTabSz="914400" rtl="0" eaLnBrk="1" fontAlgn="auto" latinLnBrk="0" hangingPunct="1">
+              <a:lnSpc>
+                <a:spcPct val="100000"/>
+              </a:lnSpc>
+              <a:spcBef>
+                <a:spcPts val="0"/>
+              </a:spcBef>
+              <a:spcAft>
+                <a:spcPts val="0"/>
+              </a:spcAft>
+              <a:buClrTx/>
+              <a:buSzTx/>
+              <a:buFontTx/>
+              <a:buNone/>
+              <a:tabLst/>
+              <a:defRPr/>
+            </a:pPr>
+            <a:r>
+              <a:rPr kumimoji="0" lang="en-AU" sz="1800" b="0" i="0" u="none" strike="noStrike" kern="1200" cap="none" spc="0" normalizeH="0" baseline="0" noProof="0">
+                <a:ln>
+                  <a:noFill/>
+                </a:ln>
+                <a:solidFill>
+                  <a:prstClr val="white"/>
+                </a:solidFill>
+                <a:effectLst/>
+                <a:uLnTx/>
+                <a:uFillTx/>
+                <a:latin typeface="Calibri" panose="020F0502020204030204"/>
+                <a:ea typeface="+mn-ea"/>
+                <a:cs typeface="+mn-cs"/>
+              </a:rPr>
+              <a:t>Receive Telemetry forward to Azure IoT</a:t>
+            </a:r>
+          </a:p>
+        </p:txBody>
+      </p:sp>
+      <p:sp>
+        <p:nvSpPr>
+          <p:cNvPr id="17" name="Rectangle 16">
+            <a:extLst>
+              <a:ext uri="{FF2B5EF4-FFF2-40B4-BE49-F238E27FC236}">
+                <a16:creationId xmlns:a16="http://schemas.microsoft.com/office/drawing/2014/main" id="{F7741FF6-EC27-4AB2-8582-57E97CF79697}"/>
+              </a:ext>
+            </a:extLst>
+          </p:cNvPr>
+          <p:cNvSpPr/>
+          <p:nvPr/>
+        </p:nvSpPr>
+        <p:spPr>
+          <a:xfrm>
+            <a:off x="381741" y="620918"/>
+            <a:ext cx="11394622" cy="794193"/>
+          </a:xfrm>
+          <a:prstGeom prst="rect">
+            <a:avLst/>
+          </a:prstGeom>
+          <a:solidFill>
+            <a:schemeClr val="bg2"/>
+          </a:solidFill>
+        </p:spPr>
+        <p:style>
+          <a:lnRef idx="2">
+            <a:schemeClr val="accent1">
+              <a:shade val="50000"/>
+            </a:schemeClr>
+          </a:lnRef>
+          <a:fillRef idx="1">
+            <a:schemeClr val="accent1"/>
+          </a:fillRef>
+          <a:effectRef idx="0">
+            <a:schemeClr val="accent1"/>
+          </a:effectRef>
+          <a:fontRef idx="minor">
+            <a:schemeClr val="lt1"/>
+          </a:fontRef>
+        </p:style>
+        <p:txBody>
+          <a:bodyPr rtlCol="0" anchor="ctr"/>
+          <a:lstStyle/>
+          <a:p>
+            <a:pPr marL="0" marR="0" lvl="0" indent="0" algn="ctr" defTabSz="914400" rtl="0" eaLnBrk="1" fontAlgn="auto" latinLnBrk="0" hangingPunct="1">
+              <a:lnSpc>
+                <a:spcPct val="100000"/>
+              </a:lnSpc>
+              <a:spcBef>
+                <a:spcPts val="0"/>
+              </a:spcBef>
+              <a:spcAft>
+                <a:spcPts val="0"/>
+              </a:spcAft>
+              <a:buClrTx/>
+              <a:buSzTx/>
+              <a:buFontTx/>
+              <a:buNone/>
+              <a:tabLst/>
+              <a:defRPr/>
+            </a:pPr>
+            <a:endParaRPr kumimoji="0" lang="en-AU" sz="1800" b="0" i="0" u="none" strike="noStrike" kern="1200" cap="none" spc="0" normalizeH="0" baseline="0" noProof="0">
+              <a:ln>
+                <a:noFill/>
+              </a:ln>
+              <a:solidFill>
+                <a:prstClr val="white"/>
+              </a:solidFill>
+              <a:effectLst/>
+              <a:uLnTx/>
+              <a:uFillTx/>
+              <a:latin typeface="Calibri" panose="020F0502020204030204"/>
+              <a:ea typeface="+mn-ea"/>
+              <a:cs typeface="+mn-cs"/>
+            </a:endParaRPr>
+          </a:p>
+        </p:txBody>
+      </p:sp>
+      <p:sp>
+        <p:nvSpPr>
+          <p:cNvPr id="19" name="Rectangle 18">
+            <a:extLst>
+              <a:ext uri="{FF2B5EF4-FFF2-40B4-BE49-F238E27FC236}">
+                <a16:creationId xmlns:a16="http://schemas.microsoft.com/office/drawing/2014/main" id="{A3B11A95-4346-47E5-835E-6C1724839871}"/>
+              </a:ext>
+            </a:extLst>
+          </p:cNvPr>
+          <p:cNvSpPr/>
+          <p:nvPr/>
+        </p:nvSpPr>
+        <p:spPr>
+          <a:xfrm>
+            <a:off x="446835" y="674738"/>
+            <a:ext cx="11247418" cy="377792"/>
+          </a:xfrm>
+          <a:prstGeom prst="rect">
+            <a:avLst/>
+          </a:prstGeom>
+        </p:spPr>
+        <p:style>
+          <a:lnRef idx="2">
+            <a:schemeClr val="accent1">
+              <a:shade val="50000"/>
+            </a:schemeClr>
+          </a:lnRef>
+          <a:fillRef idx="1">
+            <a:schemeClr val="accent1"/>
+          </a:fillRef>
+          <a:effectRef idx="0">
+            <a:schemeClr val="accent1"/>
+          </a:effectRef>
+          <a:fontRef idx="minor">
+            <a:schemeClr val="lt1"/>
+          </a:fontRef>
+        </p:style>
+        <p:txBody>
+          <a:bodyPr rtlCol="0" anchor="ctr"/>
+          <a:lstStyle/>
+          <a:p>
+            <a:pPr marL="0" marR="0" lvl="0" indent="0" algn="ctr" defTabSz="914400" rtl="0" eaLnBrk="1" fontAlgn="auto" latinLnBrk="0" hangingPunct="1">
+              <a:lnSpc>
+                <a:spcPct val="100000"/>
+              </a:lnSpc>
+              <a:spcBef>
+                <a:spcPts val="0"/>
+              </a:spcBef>
+              <a:spcAft>
+                <a:spcPts val="0"/>
+              </a:spcAft>
+              <a:buClrTx/>
+              <a:buSzTx/>
+              <a:buFontTx/>
+              <a:buNone/>
+              <a:tabLst/>
+              <a:defRPr/>
+            </a:pPr>
+            <a:r>
+              <a:rPr kumimoji="0" lang="en-US" sz="2400" b="1" i="0" u="none" strike="noStrike" kern="1200" cap="none" spc="0" normalizeH="0" baseline="0" noProof="0" dirty="0">
+                <a:ln>
+                  <a:noFill/>
+                </a:ln>
+                <a:solidFill>
+                  <a:prstClr val="white"/>
+                </a:solidFill>
+                <a:effectLst/>
+                <a:uLnTx/>
+                <a:uFillTx/>
+                <a:latin typeface="Calibri" panose="020F0502020204030204"/>
+                <a:ea typeface="+mn-ea"/>
+                <a:cs typeface="+mn-cs"/>
+              </a:rPr>
+              <a:t>Azure IoT Central</a:t>
+            </a:r>
+            <a:endParaRPr kumimoji="0" lang="en-AU" sz="2400" b="1" i="0" u="none" strike="noStrike" kern="1200" cap="none" spc="0" normalizeH="0" baseline="0" noProof="0" dirty="0">
+              <a:ln>
+                <a:noFill/>
+              </a:ln>
+              <a:solidFill>
+                <a:prstClr val="white"/>
+              </a:solidFill>
+              <a:effectLst/>
+              <a:uLnTx/>
+              <a:uFillTx/>
+              <a:latin typeface="Calibri" panose="020F0502020204030204"/>
+              <a:ea typeface="+mn-ea"/>
+              <a:cs typeface="+mn-cs"/>
+            </a:endParaRPr>
+          </a:p>
+        </p:txBody>
+      </p:sp>
+      <p:sp>
+        <p:nvSpPr>
+          <p:cNvPr id="23" name="Rectangle 22">
+            <a:extLst>
+              <a:ext uri="{FF2B5EF4-FFF2-40B4-BE49-F238E27FC236}">
+                <a16:creationId xmlns:a16="http://schemas.microsoft.com/office/drawing/2014/main" id="{2699DF60-2268-43EA-B079-0519DC82AC12}"/>
+              </a:ext>
+            </a:extLst>
+          </p:cNvPr>
+          <p:cNvSpPr/>
+          <p:nvPr/>
+        </p:nvSpPr>
+        <p:spPr>
+          <a:xfrm>
+            <a:off x="446834" y="1101401"/>
+            <a:ext cx="2736000" cy="260628"/>
+          </a:xfrm>
+          <a:prstGeom prst="rect">
+            <a:avLst/>
+          </a:prstGeom>
+          <a:solidFill>
+            <a:schemeClr val="bg2">
+              <a:lumMod val="50000"/>
+            </a:schemeClr>
+          </a:solidFill>
+        </p:spPr>
+        <p:style>
+          <a:lnRef idx="2">
+            <a:schemeClr val="accent1">
+              <a:shade val="50000"/>
+            </a:schemeClr>
+          </a:lnRef>
+          <a:fillRef idx="1">
+            <a:schemeClr val="accent1"/>
+          </a:fillRef>
+          <a:effectRef idx="0">
+            <a:schemeClr val="accent1"/>
+          </a:effectRef>
+          <a:fontRef idx="minor">
+            <a:schemeClr val="lt1"/>
+          </a:fontRef>
+        </p:style>
+        <p:txBody>
+          <a:bodyPr rtlCol="0" anchor="ctr"/>
+          <a:lstStyle/>
+          <a:p>
+            <a:pPr marL="0" marR="0" lvl="0" indent="0" algn="ctr" defTabSz="914400" rtl="0" eaLnBrk="1" fontAlgn="auto" latinLnBrk="0" hangingPunct="1">
+              <a:lnSpc>
+                <a:spcPct val="100000"/>
+              </a:lnSpc>
+              <a:spcBef>
+                <a:spcPts val="0"/>
+              </a:spcBef>
+              <a:spcAft>
+                <a:spcPts val="0"/>
+              </a:spcAft>
+              <a:buClrTx/>
+              <a:buSzTx/>
+              <a:buFontTx/>
+              <a:buNone/>
+              <a:tabLst/>
+              <a:defRPr/>
+            </a:pPr>
+            <a:r>
+              <a:rPr kumimoji="0" lang="en-US" sz="1400" b="1" i="0" u="none" strike="noStrike" kern="1200" cap="none" spc="0" normalizeH="0" baseline="0" noProof="0" dirty="0">
+                <a:ln>
+                  <a:noFill/>
+                </a:ln>
+                <a:solidFill>
+                  <a:prstClr val="white"/>
+                </a:solidFill>
+                <a:effectLst/>
+                <a:uLnTx/>
+                <a:uFillTx/>
+                <a:latin typeface="Calibri" panose="020F0502020204030204"/>
+                <a:ea typeface="+mn-ea"/>
+                <a:cs typeface="+mn-cs"/>
+              </a:rPr>
+              <a:t>IoT Hub &amp; Device Twins</a:t>
+            </a:r>
+            <a:endParaRPr kumimoji="0" lang="en-AU" sz="1400" b="1" i="0" u="none" strike="noStrike" kern="1200" cap="none" spc="0" normalizeH="0" baseline="0" noProof="0" dirty="0">
+              <a:ln>
+                <a:noFill/>
+              </a:ln>
+              <a:solidFill>
+                <a:prstClr val="white"/>
+              </a:solidFill>
+              <a:effectLst/>
+              <a:uLnTx/>
+              <a:uFillTx/>
+              <a:latin typeface="Calibri" panose="020F0502020204030204"/>
+              <a:ea typeface="+mn-ea"/>
+              <a:cs typeface="+mn-cs"/>
+            </a:endParaRPr>
+          </a:p>
+        </p:txBody>
+      </p:sp>
+      <p:sp>
+        <p:nvSpPr>
+          <p:cNvPr id="25" name="Rectangle 24">
+            <a:extLst>
+              <a:ext uri="{FF2B5EF4-FFF2-40B4-BE49-F238E27FC236}">
+                <a16:creationId xmlns:a16="http://schemas.microsoft.com/office/drawing/2014/main" id="{C95CC41C-AC05-4398-B46F-0832670A22BF}"/>
+              </a:ext>
+            </a:extLst>
+          </p:cNvPr>
+          <p:cNvSpPr/>
+          <p:nvPr/>
+        </p:nvSpPr>
+        <p:spPr>
+          <a:xfrm>
+            <a:off x="3283974" y="1101401"/>
+            <a:ext cx="2736000" cy="260628"/>
+          </a:xfrm>
+          <a:prstGeom prst="rect">
+            <a:avLst/>
+          </a:prstGeom>
+          <a:solidFill>
+            <a:schemeClr val="bg2">
+              <a:lumMod val="50000"/>
+            </a:schemeClr>
+          </a:solidFill>
+        </p:spPr>
+        <p:style>
+          <a:lnRef idx="2">
+            <a:schemeClr val="accent1">
+              <a:shade val="50000"/>
+            </a:schemeClr>
+          </a:lnRef>
+          <a:fillRef idx="1">
+            <a:schemeClr val="accent1"/>
+          </a:fillRef>
+          <a:effectRef idx="0">
+            <a:schemeClr val="accent1"/>
+          </a:effectRef>
+          <a:fontRef idx="minor">
+            <a:schemeClr val="lt1"/>
+          </a:fontRef>
+        </p:style>
+        <p:txBody>
+          <a:bodyPr rtlCol="0" anchor="ctr"/>
+          <a:lstStyle/>
+          <a:p>
+            <a:pPr marL="0" marR="0" lvl="0" indent="0" algn="ctr" defTabSz="914400" rtl="0" eaLnBrk="1" fontAlgn="auto" latinLnBrk="0" hangingPunct="1">
+              <a:lnSpc>
+                <a:spcPct val="100000"/>
+              </a:lnSpc>
+              <a:spcBef>
+                <a:spcPts val="0"/>
+              </a:spcBef>
+              <a:spcAft>
+                <a:spcPts val="0"/>
+              </a:spcAft>
+              <a:buClrTx/>
+              <a:buSzTx/>
+              <a:buFontTx/>
+              <a:buNone/>
+              <a:tabLst/>
+              <a:defRPr/>
+            </a:pPr>
+            <a:r>
+              <a:rPr kumimoji="0" lang="en-US" sz="1400" b="1" i="0" u="none" strike="noStrike" kern="1200" cap="none" spc="0" normalizeH="0" baseline="0" noProof="0" dirty="0">
+                <a:ln>
+                  <a:noFill/>
+                </a:ln>
+                <a:solidFill>
+                  <a:prstClr val="white"/>
+                </a:solidFill>
+                <a:effectLst/>
+                <a:uLnTx/>
+                <a:uFillTx/>
+                <a:latin typeface="Calibri" panose="020F0502020204030204"/>
+                <a:ea typeface="+mn-ea"/>
+                <a:cs typeface="+mn-cs"/>
+              </a:rPr>
+              <a:t>Device Provision Service</a:t>
+            </a:r>
+            <a:endParaRPr kumimoji="0" lang="en-AU" sz="1400" b="1" i="0" u="none" strike="noStrike" kern="1200" cap="none" spc="0" normalizeH="0" baseline="0" noProof="0" dirty="0">
+              <a:ln>
+                <a:noFill/>
+              </a:ln>
+              <a:solidFill>
+                <a:prstClr val="white"/>
+              </a:solidFill>
+              <a:effectLst/>
+              <a:uLnTx/>
+              <a:uFillTx/>
+              <a:latin typeface="Calibri" panose="020F0502020204030204"/>
+              <a:ea typeface="+mn-ea"/>
+              <a:cs typeface="+mn-cs"/>
+            </a:endParaRPr>
+          </a:p>
+        </p:txBody>
+      </p:sp>
+      <p:sp>
+        <p:nvSpPr>
+          <p:cNvPr id="27" name="Rectangle 26">
+            <a:extLst>
+              <a:ext uri="{FF2B5EF4-FFF2-40B4-BE49-F238E27FC236}">
+                <a16:creationId xmlns:a16="http://schemas.microsoft.com/office/drawing/2014/main" id="{4EF1C438-3284-4EA1-8442-3DD359D51690}"/>
+              </a:ext>
+            </a:extLst>
+          </p:cNvPr>
+          <p:cNvSpPr/>
+          <p:nvPr/>
+        </p:nvSpPr>
+        <p:spPr>
+          <a:xfrm>
+            <a:off x="6121114" y="1101401"/>
+            <a:ext cx="2736000" cy="260628"/>
+          </a:xfrm>
+          <a:prstGeom prst="rect">
+            <a:avLst/>
+          </a:prstGeom>
+          <a:solidFill>
+            <a:schemeClr val="bg2">
+              <a:lumMod val="50000"/>
+            </a:schemeClr>
+          </a:solidFill>
+        </p:spPr>
+        <p:style>
+          <a:lnRef idx="2">
+            <a:schemeClr val="accent1">
+              <a:shade val="50000"/>
+            </a:schemeClr>
+          </a:lnRef>
+          <a:fillRef idx="1">
+            <a:schemeClr val="accent1"/>
+          </a:fillRef>
+          <a:effectRef idx="0">
+            <a:schemeClr val="accent1"/>
+          </a:effectRef>
+          <a:fontRef idx="minor">
+            <a:schemeClr val="lt1"/>
+          </a:fontRef>
+        </p:style>
+        <p:txBody>
+          <a:bodyPr rtlCol="0" anchor="ctr"/>
+          <a:lstStyle/>
+          <a:p>
+            <a:pPr marL="0" marR="0" lvl="0" indent="0" algn="ctr" defTabSz="914400" rtl="0" eaLnBrk="1" fontAlgn="auto" latinLnBrk="0" hangingPunct="1">
+              <a:lnSpc>
+                <a:spcPct val="100000"/>
+              </a:lnSpc>
+              <a:spcBef>
+                <a:spcPts val="0"/>
+              </a:spcBef>
+              <a:spcAft>
+                <a:spcPts val="0"/>
+              </a:spcAft>
+              <a:buClrTx/>
+              <a:buSzTx/>
+              <a:buFontTx/>
+              <a:buNone/>
+              <a:tabLst/>
+              <a:defRPr/>
+            </a:pPr>
+            <a:r>
+              <a:rPr kumimoji="0" lang="en-US" sz="1400" b="1" i="0" u="none" strike="noStrike" kern="1200" cap="none" spc="0" normalizeH="0" baseline="0" noProof="0" dirty="0">
+                <a:ln>
+                  <a:noFill/>
+                </a:ln>
+                <a:solidFill>
+                  <a:prstClr val="white"/>
+                </a:solidFill>
+                <a:effectLst/>
+                <a:uLnTx/>
+                <a:uFillTx/>
+                <a:latin typeface="Calibri" panose="020F0502020204030204"/>
+                <a:ea typeface="+mn-ea"/>
+                <a:cs typeface="+mn-cs"/>
+              </a:rPr>
+              <a:t>Azure Stream Analytics</a:t>
+            </a:r>
+            <a:endParaRPr kumimoji="0" lang="en-AU" sz="1400" b="1" i="0" u="none" strike="noStrike" kern="1200" cap="none" spc="0" normalizeH="0" baseline="0" noProof="0" dirty="0">
+              <a:ln>
+                <a:noFill/>
+              </a:ln>
+              <a:solidFill>
+                <a:prstClr val="white"/>
+              </a:solidFill>
+              <a:effectLst/>
+              <a:uLnTx/>
+              <a:uFillTx/>
+              <a:latin typeface="Calibri" panose="020F0502020204030204"/>
+              <a:ea typeface="+mn-ea"/>
+              <a:cs typeface="+mn-cs"/>
+            </a:endParaRPr>
+          </a:p>
+        </p:txBody>
+      </p:sp>
+      <p:sp>
+        <p:nvSpPr>
+          <p:cNvPr id="35" name="Rectangle 34">
+            <a:extLst>
+              <a:ext uri="{FF2B5EF4-FFF2-40B4-BE49-F238E27FC236}">
+                <a16:creationId xmlns:a16="http://schemas.microsoft.com/office/drawing/2014/main" id="{69DA7157-D6C6-4665-B1AE-7DD24628E310}"/>
+              </a:ext>
+            </a:extLst>
+          </p:cNvPr>
+          <p:cNvSpPr/>
+          <p:nvPr/>
+        </p:nvSpPr>
+        <p:spPr>
+          <a:xfrm>
+            <a:off x="8958253" y="1098295"/>
+            <a:ext cx="2736000" cy="260628"/>
+          </a:xfrm>
+          <a:prstGeom prst="rect">
+            <a:avLst/>
+          </a:prstGeom>
+          <a:solidFill>
+            <a:schemeClr val="bg2">
+              <a:lumMod val="50000"/>
+            </a:schemeClr>
+          </a:solidFill>
+        </p:spPr>
+        <p:style>
+          <a:lnRef idx="2">
+            <a:schemeClr val="accent1">
+              <a:shade val="50000"/>
+            </a:schemeClr>
+          </a:lnRef>
+          <a:fillRef idx="1">
+            <a:schemeClr val="accent1"/>
+          </a:fillRef>
+          <a:effectRef idx="0">
+            <a:schemeClr val="accent1"/>
+          </a:effectRef>
+          <a:fontRef idx="minor">
+            <a:schemeClr val="lt1"/>
+          </a:fontRef>
+        </p:style>
+        <p:txBody>
+          <a:bodyPr rtlCol="0" anchor="ctr"/>
+          <a:lstStyle/>
+          <a:p>
+            <a:pPr marL="0" marR="0" lvl="0" indent="0" algn="ctr" defTabSz="914400" rtl="0" eaLnBrk="1" fontAlgn="auto" latinLnBrk="0" hangingPunct="1">
+              <a:lnSpc>
+                <a:spcPct val="100000"/>
+              </a:lnSpc>
+              <a:spcBef>
+                <a:spcPts val="0"/>
+              </a:spcBef>
+              <a:spcAft>
+                <a:spcPts val="0"/>
+              </a:spcAft>
+              <a:buClrTx/>
+              <a:buSzTx/>
+              <a:buFontTx/>
+              <a:buNone/>
+              <a:tabLst/>
+              <a:defRPr/>
+            </a:pPr>
+            <a:r>
+              <a:rPr kumimoji="0" lang="en-US" sz="1400" b="1" i="0" u="none" strike="noStrike" kern="1200" cap="none" spc="0" normalizeH="0" baseline="0" noProof="0" dirty="0">
+                <a:ln>
+                  <a:noFill/>
+                </a:ln>
+                <a:solidFill>
+                  <a:prstClr val="white"/>
+                </a:solidFill>
+                <a:effectLst/>
+                <a:uLnTx/>
+                <a:uFillTx/>
+                <a:latin typeface="Calibri" panose="020F0502020204030204"/>
+                <a:ea typeface="+mn-ea"/>
+                <a:cs typeface="+mn-cs"/>
+              </a:rPr>
+              <a:t>Time Series Insights</a:t>
+            </a:r>
+            <a:endParaRPr kumimoji="0" lang="en-AU" sz="1400" b="1" i="0" u="none" strike="noStrike" kern="1200" cap="none" spc="0" normalizeH="0" baseline="0" noProof="0" dirty="0">
+              <a:ln>
+                <a:noFill/>
+              </a:ln>
+              <a:solidFill>
+                <a:prstClr val="white"/>
+              </a:solidFill>
+              <a:effectLst/>
+              <a:uLnTx/>
+              <a:uFillTx/>
+              <a:latin typeface="Calibri" panose="020F0502020204030204"/>
+              <a:ea typeface="+mn-ea"/>
+              <a:cs typeface="+mn-cs"/>
+            </a:endParaRPr>
+          </a:p>
+        </p:txBody>
+      </p:sp>
+      <p:sp>
+        <p:nvSpPr>
+          <p:cNvPr id="37" name="Rectangle 36">
+            <a:extLst>
+              <a:ext uri="{FF2B5EF4-FFF2-40B4-BE49-F238E27FC236}">
+                <a16:creationId xmlns:a16="http://schemas.microsoft.com/office/drawing/2014/main" id="{E084DF46-A6C5-44D2-A78C-86F6506AD555}"/>
+              </a:ext>
+            </a:extLst>
+          </p:cNvPr>
+          <p:cNvSpPr/>
+          <p:nvPr/>
+        </p:nvSpPr>
+        <p:spPr>
+          <a:xfrm>
+            <a:off x="8040250" y="3517254"/>
+            <a:ext cx="2683168" cy="2022763"/>
+          </a:xfrm>
+          <a:prstGeom prst="rect">
+            <a:avLst/>
+          </a:prstGeom>
+          <a:solidFill>
+            <a:schemeClr val="accent4">
+              <a:lumMod val="75000"/>
+            </a:schemeClr>
+          </a:solidFill>
+        </p:spPr>
+        <p:style>
+          <a:lnRef idx="2">
+            <a:schemeClr val="accent1">
+              <a:shade val="50000"/>
+            </a:schemeClr>
+          </a:lnRef>
+          <a:fillRef idx="1">
+            <a:schemeClr val="accent1"/>
+          </a:fillRef>
+          <a:effectRef idx="0">
+            <a:schemeClr val="accent1"/>
+          </a:effectRef>
+          <a:fontRef idx="minor">
+            <a:schemeClr val="lt1"/>
+          </a:fontRef>
+        </p:style>
+        <p:txBody>
+          <a:bodyPr rtlCol="0" anchor="t"/>
+          <a:lstStyle/>
+          <a:p>
+            <a:pPr marL="0" marR="0" lvl="0" indent="0" algn="ctr" defTabSz="914400" rtl="0" eaLnBrk="1" fontAlgn="auto" latinLnBrk="0" hangingPunct="1">
+              <a:lnSpc>
+                <a:spcPct val="100000"/>
+              </a:lnSpc>
+              <a:spcBef>
+                <a:spcPts val="0"/>
+              </a:spcBef>
+              <a:spcAft>
+                <a:spcPts val="0"/>
+              </a:spcAft>
+              <a:buClrTx/>
+              <a:buSzTx/>
+              <a:buFontTx/>
+              <a:buNone/>
+              <a:tabLst/>
+              <a:defRPr/>
+            </a:pPr>
+            <a:endParaRPr kumimoji="0" lang="en-AU" sz="1800" b="0" i="0" u="none" strike="noStrike" kern="1200" cap="none" spc="0" normalizeH="0" baseline="0" noProof="0">
+              <a:ln>
+                <a:noFill/>
+              </a:ln>
+              <a:solidFill>
+                <a:prstClr val="white"/>
+              </a:solidFill>
+              <a:effectLst/>
+              <a:uLnTx/>
+              <a:uFillTx/>
+              <a:latin typeface="Calibri" panose="020F0502020204030204"/>
+              <a:ea typeface="+mn-ea"/>
+              <a:cs typeface="+mn-cs"/>
+            </a:endParaRPr>
+          </a:p>
+        </p:txBody>
+      </p:sp>
+      <p:sp>
+        <p:nvSpPr>
+          <p:cNvPr id="39" name="Rectangle 38">
+            <a:extLst>
+              <a:ext uri="{FF2B5EF4-FFF2-40B4-BE49-F238E27FC236}">
+                <a16:creationId xmlns:a16="http://schemas.microsoft.com/office/drawing/2014/main" id="{7D45044B-E303-4833-A5E4-57E522C7CB5C}"/>
+              </a:ext>
+            </a:extLst>
+          </p:cNvPr>
+          <p:cNvSpPr/>
+          <p:nvPr/>
+        </p:nvSpPr>
+        <p:spPr>
+          <a:xfrm>
+            <a:off x="8130459" y="3679760"/>
+            <a:ext cx="2481602" cy="725347"/>
+          </a:xfrm>
+          <a:prstGeom prst="rect">
+            <a:avLst/>
+          </a:prstGeom>
+          <a:solidFill>
+            <a:schemeClr val="accent4">
+              <a:lumMod val="75000"/>
+            </a:schemeClr>
+          </a:solidFill>
+        </p:spPr>
+        <p:style>
+          <a:lnRef idx="2">
+            <a:schemeClr val="accent1">
+              <a:shade val="50000"/>
+            </a:schemeClr>
+          </a:lnRef>
+          <a:fillRef idx="1">
+            <a:schemeClr val="accent1"/>
+          </a:fillRef>
+          <a:effectRef idx="0">
+            <a:schemeClr val="accent1"/>
+          </a:effectRef>
+          <a:fontRef idx="minor">
+            <a:schemeClr val="lt1"/>
+          </a:fontRef>
+        </p:style>
+        <p:txBody>
+          <a:bodyPr rtlCol="0" anchor="ctr"/>
+          <a:lstStyle/>
+          <a:p>
+            <a:pPr marL="0" marR="0" lvl="0" indent="0" algn="ctr" defTabSz="914400" rtl="0" eaLnBrk="1" fontAlgn="auto" latinLnBrk="0" hangingPunct="1">
+              <a:lnSpc>
+                <a:spcPct val="100000"/>
+              </a:lnSpc>
+              <a:spcBef>
+                <a:spcPts val="0"/>
+              </a:spcBef>
+              <a:spcAft>
+                <a:spcPts val="0"/>
+              </a:spcAft>
+              <a:buClrTx/>
+              <a:buSzTx/>
+              <a:buFontTx/>
+              <a:buNone/>
+              <a:tabLst/>
+              <a:defRPr/>
+            </a:pPr>
+            <a:r>
+              <a:rPr kumimoji="0" lang="en-AU" sz="1800" b="0" i="0" u="none" strike="noStrike" kern="1200" cap="none" spc="0" normalizeH="0" baseline="0" noProof="0" dirty="0">
+                <a:ln>
+                  <a:noFill/>
+                </a:ln>
+                <a:solidFill>
+                  <a:prstClr val="white"/>
+                </a:solidFill>
+                <a:effectLst/>
+                <a:uLnTx/>
+                <a:uFillTx/>
+                <a:latin typeface="Calibri" panose="020F0502020204030204"/>
+                <a:ea typeface="+mn-ea"/>
+                <a:cs typeface="+mn-cs"/>
+              </a:rPr>
+              <a:t>Environment telemetry service thread</a:t>
+            </a:r>
+          </a:p>
+        </p:txBody>
+      </p:sp>
+      <p:sp>
+        <p:nvSpPr>
+          <p:cNvPr id="55" name="Rectangle 54">
+            <a:extLst>
+              <a:ext uri="{FF2B5EF4-FFF2-40B4-BE49-F238E27FC236}">
+                <a16:creationId xmlns:a16="http://schemas.microsoft.com/office/drawing/2014/main" id="{C996F6FA-6E1D-40BF-9095-7DADB3E591DE}"/>
+              </a:ext>
+            </a:extLst>
+          </p:cNvPr>
+          <p:cNvSpPr/>
+          <p:nvPr/>
+        </p:nvSpPr>
+        <p:spPr>
+          <a:xfrm>
+            <a:off x="8151607" y="4697489"/>
+            <a:ext cx="2460454" cy="725347"/>
+          </a:xfrm>
+          <a:prstGeom prst="rect">
+            <a:avLst/>
+          </a:prstGeom>
+          <a:solidFill>
+            <a:schemeClr val="accent4">
+              <a:lumMod val="75000"/>
+            </a:schemeClr>
+          </a:solidFill>
+        </p:spPr>
+        <p:style>
+          <a:lnRef idx="2">
+            <a:schemeClr val="accent1">
+              <a:shade val="50000"/>
+            </a:schemeClr>
+          </a:lnRef>
+          <a:fillRef idx="1">
+            <a:schemeClr val="accent1"/>
+          </a:fillRef>
+          <a:effectRef idx="0">
+            <a:schemeClr val="accent1"/>
+          </a:effectRef>
+          <a:fontRef idx="minor">
+            <a:schemeClr val="lt1"/>
+          </a:fontRef>
+        </p:style>
+        <p:txBody>
+          <a:bodyPr rtlCol="0" anchor="ctr"/>
+          <a:lstStyle/>
+          <a:p>
+            <a:pPr marL="0" marR="0" lvl="0" indent="0" algn="ctr" defTabSz="914400" rtl="0" eaLnBrk="1" fontAlgn="auto" latinLnBrk="0" hangingPunct="1">
+              <a:lnSpc>
+                <a:spcPct val="100000"/>
+              </a:lnSpc>
+              <a:spcBef>
+                <a:spcPts val="0"/>
+              </a:spcBef>
+              <a:spcAft>
+                <a:spcPts val="0"/>
+              </a:spcAft>
+              <a:buClrTx/>
+              <a:buSzTx/>
+              <a:buFontTx/>
+              <a:buNone/>
+              <a:tabLst/>
+              <a:defRPr/>
+            </a:pPr>
+            <a:r>
+              <a:rPr kumimoji="0" lang="en-US" sz="1800" b="0" i="0" u="none" strike="noStrike" kern="1200" cap="none" spc="0" normalizeH="0" baseline="0" noProof="0" dirty="0">
+                <a:ln>
+                  <a:noFill/>
+                </a:ln>
+                <a:solidFill>
+                  <a:prstClr val="white"/>
+                </a:solidFill>
+                <a:effectLst/>
+                <a:uLnTx/>
+                <a:uFillTx/>
+                <a:latin typeface="Calibri" panose="020F0502020204030204"/>
+                <a:ea typeface="+mn-ea"/>
+                <a:cs typeface="+mn-cs"/>
+              </a:rPr>
+              <a:t>Environment telemetry sense thread</a:t>
+            </a:r>
+            <a:endParaRPr kumimoji="0" lang="en-AU" sz="1800" b="0" i="0" u="none" strike="noStrike" kern="1200" cap="none" spc="0" normalizeH="0" baseline="0" noProof="0" dirty="0">
+              <a:ln>
+                <a:noFill/>
+              </a:ln>
+              <a:solidFill>
+                <a:prstClr val="white"/>
+              </a:solidFill>
+              <a:effectLst/>
+              <a:uLnTx/>
+              <a:uFillTx/>
+              <a:latin typeface="Calibri" panose="020F0502020204030204"/>
+              <a:ea typeface="+mn-ea"/>
+              <a:cs typeface="+mn-cs"/>
+            </a:endParaRPr>
+          </a:p>
+        </p:txBody>
+      </p:sp>
+      <p:grpSp>
+        <p:nvGrpSpPr>
+          <p:cNvPr id="32" name="Group 31">
+            <a:extLst>
+              <a:ext uri="{FF2B5EF4-FFF2-40B4-BE49-F238E27FC236}">
+                <a16:creationId xmlns:a16="http://schemas.microsoft.com/office/drawing/2014/main" id="{C9BD8155-0305-4976-8F6E-ABBB7518EA59}"/>
+              </a:ext>
+            </a:extLst>
+          </p:cNvPr>
+          <p:cNvGrpSpPr/>
+          <p:nvPr/>
+        </p:nvGrpSpPr>
+        <p:grpSpPr>
+          <a:xfrm>
+            <a:off x="4153975" y="3930320"/>
+            <a:ext cx="1118931" cy="397165"/>
+            <a:chOff x="4153975" y="4210244"/>
+            <a:chExt cx="1118931" cy="397165"/>
+          </a:xfrm>
+        </p:grpSpPr>
+        <p:sp>
+          <p:nvSpPr>
+            <p:cNvPr id="21" name="Arrow: Right 20">
+              <a:extLst>
+                <a:ext uri="{FF2B5EF4-FFF2-40B4-BE49-F238E27FC236}">
+                  <a16:creationId xmlns:a16="http://schemas.microsoft.com/office/drawing/2014/main" id="{CF3C112B-847E-42BF-82BA-AF3306EF4EC2}"/>
+                </a:ext>
+              </a:extLst>
+            </p:cNvPr>
+            <p:cNvSpPr/>
+            <p:nvPr/>
+          </p:nvSpPr>
+          <p:spPr>
+            <a:xfrm>
+              <a:off x="4153975" y="4210244"/>
+              <a:ext cx="1118931" cy="397165"/>
+            </a:xfrm>
+            <a:prstGeom prst="rightArrow">
+              <a:avLst/>
+            </a:prstGeom>
+            <a:gradFill flip="none" rotWithShape="1">
+              <a:gsLst>
+                <a:gs pos="0">
+                  <a:schemeClr val="accent6">
+                    <a:lumMod val="60000"/>
+                    <a:lumOff val="40000"/>
+                    <a:shade val="30000"/>
+                    <a:satMod val="115000"/>
+                  </a:schemeClr>
+                </a:gs>
+                <a:gs pos="50000">
+                  <a:schemeClr val="accent6">
+                    <a:lumMod val="60000"/>
+                    <a:lumOff val="40000"/>
+                    <a:shade val="67500"/>
+                    <a:satMod val="115000"/>
+                  </a:schemeClr>
+                </a:gs>
+                <a:gs pos="100000">
+                  <a:schemeClr val="accent6">
+                    <a:lumMod val="60000"/>
+                    <a:lumOff val="40000"/>
+                    <a:shade val="100000"/>
+                    <a:satMod val="115000"/>
+                  </a:schemeClr>
+                </a:gs>
+              </a:gsLst>
+              <a:lin ang="2700000" scaled="1"/>
+              <a:tileRect/>
+            </a:gradFill>
+            <a:ln>
+              <a:solidFill>
+                <a:srgbClr val="92D050"/>
+              </a:solidFill>
+            </a:ln>
+          </p:spPr>
+          <p:style>
+            <a:lnRef idx="2">
+              <a:schemeClr val="accent1">
+                <a:shade val="50000"/>
+              </a:schemeClr>
+            </a:lnRef>
+            <a:fillRef idx="1">
+              <a:schemeClr val="accent1"/>
+            </a:fillRef>
+            <a:effectRef idx="0">
+              <a:schemeClr val="accent1"/>
+            </a:effectRef>
+            <a:fontRef idx="minor">
+              <a:schemeClr val="lt1"/>
+            </a:fontRef>
+          </p:style>
+          <p:txBody>
+            <a:bodyPr rtlCol="0" anchor="ctr"/>
+            <a:lstStyle/>
+            <a:p>
+              <a:pPr marL="0" marR="0" lvl="0" indent="0" algn="ctr" defTabSz="914400" rtl="0" eaLnBrk="1" fontAlgn="auto" latinLnBrk="0" hangingPunct="1">
+                <a:lnSpc>
+                  <a:spcPct val="100000"/>
+                </a:lnSpc>
+                <a:spcBef>
+                  <a:spcPts val="0"/>
+                </a:spcBef>
+                <a:spcAft>
+                  <a:spcPts val="0"/>
+                </a:spcAft>
+                <a:buClrTx/>
+                <a:buSzTx/>
+                <a:buFontTx/>
+                <a:buNone/>
+                <a:tabLst/>
+                <a:defRPr/>
+              </a:pPr>
+              <a:endParaRPr kumimoji="0" lang="en-AU" sz="1800" b="0" i="0" u="none" strike="noStrike" kern="1200" cap="none" spc="0" normalizeH="0" baseline="0" noProof="0">
+                <a:ln>
+                  <a:noFill/>
+                </a:ln>
+                <a:solidFill>
+                  <a:prstClr val="white"/>
+                </a:solidFill>
+                <a:effectLst/>
+                <a:uLnTx/>
+                <a:uFillTx/>
+                <a:latin typeface="Calibri" panose="020F0502020204030204"/>
+                <a:ea typeface="+mn-ea"/>
+                <a:cs typeface="+mn-cs"/>
+              </a:endParaRPr>
+            </a:p>
+          </p:txBody>
+        </p:sp>
+        <p:sp>
+          <p:nvSpPr>
+            <p:cNvPr id="12" name="Oval 11">
+              <a:extLst>
+                <a:ext uri="{FF2B5EF4-FFF2-40B4-BE49-F238E27FC236}">
+                  <a16:creationId xmlns:a16="http://schemas.microsoft.com/office/drawing/2014/main" id="{248D7113-835B-4885-AEB4-350943EF37FD}"/>
+                </a:ext>
+              </a:extLst>
+            </p:cNvPr>
+            <p:cNvSpPr/>
+            <p:nvPr/>
+          </p:nvSpPr>
+          <p:spPr>
+            <a:xfrm>
+              <a:off x="4552234" y="4314760"/>
+              <a:ext cx="205567" cy="199142"/>
+            </a:xfrm>
+            <a:prstGeom prst="ellipse">
+              <a:avLst/>
+            </a:prstGeom>
+            <a:solidFill>
+              <a:schemeClr val="accent5">
+                <a:lumMod val="75000"/>
+              </a:schemeClr>
+            </a:solidFill>
+          </p:spPr>
+          <p:style>
+            <a:lnRef idx="2">
+              <a:schemeClr val="accent1">
+                <a:shade val="50000"/>
+              </a:schemeClr>
+            </a:lnRef>
+            <a:fillRef idx="1">
+              <a:schemeClr val="accent1"/>
+            </a:fillRef>
+            <a:effectRef idx="0">
+              <a:schemeClr val="accent1"/>
+            </a:effectRef>
+            <a:fontRef idx="minor">
+              <a:schemeClr val="lt1"/>
+            </a:fontRef>
+          </p:style>
+          <p:txBody>
+            <a:bodyPr rtlCol="0" anchor="ctr"/>
+            <a:lstStyle/>
+            <a:p>
+              <a:pPr algn="ctr"/>
+              <a:r>
+                <a:rPr lang="en-AU" sz="1100" dirty="0">
+                  <a:solidFill>
+                    <a:schemeClr val="bg1"/>
+                  </a:solidFill>
+                  <a:latin typeface="Verdana" panose="020B0604030504040204" pitchFamily="34" charset="0"/>
+                  <a:ea typeface="Verdana" panose="020B0604030504040204" pitchFamily="34" charset="0"/>
+                  <a:cs typeface="Tahoma" panose="020B0604030504040204" pitchFamily="34" charset="0"/>
+                </a:rPr>
+                <a:t>1</a:t>
+              </a:r>
+            </a:p>
+          </p:txBody>
+        </p:sp>
+      </p:grpSp>
+      <p:grpSp>
+        <p:nvGrpSpPr>
+          <p:cNvPr id="34" name="Group 33">
+            <a:extLst>
+              <a:ext uri="{FF2B5EF4-FFF2-40B4-BE49-F238E27FC236}">
+                <a16:creationId xmlns:a16="http://schemas.microsoft.com/office/drawing/2014/main" id="{9C884C86-B34E-4FBC-A624-E4B2DB9DCFFD}"/>
+              </a:ext>
+            </a:extLst>
+          </p:cNvPr>
+          <p:cNvGrpSpPr/>
+          <p:nvPr/>
+        </p:nvGrpSpPr>
+        <p:grpSpPr>
+          <a:xfrm>
+            <a:off x="6919093" y="3679760"/>
+            <a:ext cx="1093318" cy="374422"/>
+            <a:chOff x="6919093" y="3959684"/>
+            <a:chExt cx="1093318" cy="374422"/>
+          </a:xfrm>
+        </p:grpSpPr>
+        <p:sp>
+          <p:nvSpPr>
+            <p:cNvPr id="10" name="Arrow: Right 9">
+              <a:extLst>
+                <a:ext uri="{FF2B5EF4-FFF2-40B4-BE49-F238E27FC236}">
+                  <a16:creationId xmlns:a16="http://schemas.microsoft.com/office/drawing/2014/main" id="{FACD1BD7-316E-4881-A9A1-792627EB090A}"/>
+                </a:ext>
+              </a:extLst>
+            </p:cNvPr>
+            <p:cNvSpPr/>
+            <p:nvPr/>
+          </p:nvSpPr>
+          <p:spPr>
+            <a:xfrm>
+              <a:off x="6919093" y="3959684"/>
+              <a:ext cx="1093318" cy="374422"/>
+            </a:xfrm>
+            <a:prstGeom prst="rightArrow">
+              <a:avLst/>
+            </a:prstGeom>
+            <a:gradFill flip="none" rotWithShape="1">
+              <a:gsLst>
+                <a:gs pos="0">
+                  <a:schemeClr val="accent6">
+                    <a:lumMod val="60000"/>
+                    <a:lumOff val="40000"/>
+                    <a:shade val="30000"/>
+                    <a:satMod val="115000"/>
+                  </a:schemeClr>
+                </a:gs>
+                <a:gs pos="50000">
+                  <a:schemeClr val="accent6">
+                    <a:lumMod val="60000"/>
+                    <a:lumOff val="40000"/>
+                    <a:shade val="67500"/>
+                    <a:satMod val="115000"/>
+                  </a:schemeClr>
+                </a:gs>
+                <a:gs pos="100000">
+                  <a:schemeClr val="accent6">
+                    <a:lumMod val="60000"/>
+                    <a:lumOff val="40000"/>
+                    <a:shade val="100000"/>
+                    <a:satMod val="115000"/>
+                  </a:schemeClr>
+                </a:gs>
+              </a:gsLst>
+              <a:lin ang="2700000" scaled="1"/>
+              <a:tileRect/>
+            </a:gradFill>
+            <a:ln>
+              <a:solidFill>
+                <a:srgbClr val="92D050"/>
+              </a:solidFill>
+            </a:ln>
+          </p:spPr>
+          <p:style>
+            <a:lnRef idx="2">
+              <a:schemeClr val="accent1">
+                <a:shade val="50000"/>
+              </a:schemeClr>
+            </a:lnRef>
+            <a:fillRef idx="1">
+              <a:schemeClr val="accent1"/>
+            </a:fillRef>
+            <a:effectRef idx="0">
+              <a:schemeClr val="accent1"/>
+            </a:effectRef>
+            <a:fontRef idx="minor">
+              <a:schemeClr val="lt1"/>
+            </a:fontRef>
+          </p:style>
+          <p:txBody>
+            <a:bodyPr rtlCol="0" anchor="ctr"/>
+            <a:lstStyle/>
+            <a:p>
+              <a:pPr algn="ctr"/>
+              <a:endParaRPr lang="en-AU">
+                <a:solidFill>
+                  <a:prstClr val="white"/>
+                </a:solidFill>
+                <a:latin typeface="Calibri" panose="020F0502020204030204"/>
+              </a:endParaRPr>
+            </a:p>
+          </p:txBody>
+        </p:sp>
+        <p:sp>
+          <p:nvSpPr>
+            <p:cNvPr id="16" name="Oval 15">
+              <a:extLst>
+                <a:ext uri="{FF2B5EF4-FFF2-40B4-BE49-F238E27FC236}">
+                  <a16:creationId xmlns:a16="http://schemas.microsoft.com/office/drawing/2014/main" id="{69A9CAAB-7157-4E42-B5D6-888B9ED81983}"/>
+                </a:ext>
+              </a:extLst>
+            </p:cNvPr>
+            <p:cNvSpPr/>
+            <p:nvPr/>
+          </p:nvSpPr>
+          <p:spPr>
+            <a:xfrm>
+              <a:off x="7321848" y="4047324"/>
+              <a:ext cx="205567" cy="199142"/>
+            </a:xfrm>
+            <a:prstGeom prst="ellipse">
+              <a:avLst/>
+            </a:prstGeom>
+            <a:solidFill>
+              <a:schemeClr val="accent5">
+                <a:lumMod val="75000"/>
+              </a:schemeClr>
+            </a:solidFill>
+          </p:spPr>
+          <p:style>
+            <a:lnRef idx="2">
+              <a:schemeClr val="accent1">
+                <a:shade val="50000"/>
+              </a:schemeClr>
+            </a:lnRef>
+            <a:fillRef idx="1">
+              <a:schemeClr val="accent1"/>
+            </a:fillRef>
+            <a:effectRef idx="0">
+              <a:schemeClr val="accent1"/>
+            </a:effectRef>
+            <a:fontRef idx="minor">
+              <a:schemeClr val="lt1"/>
+            </a:fontRef>
+          </p:style>
+          <p:txBody>
+            <a:bodyPr rtlCol="0" anchor="ctr"/>
+            <a:lstStyle/>
+            <a:p>
+              <a:pPr algn="ctr"/>
+              <a:r>
+                <a:rPr lang="en-AU" sz="1100" dirty="0">
+                  <a:solidFill>
+                    <a:schemeClr val="bg1"/>
+                  </a:solidFill>
+                  <a:latin typeface="Verdana" panose="020B0604030504040204" pitchFamily="34" charset="0"/>
+                  <a:ea typeface="Verdana" panose="020B0604030504040204" pitchFamily="34" charset="0"/>
+                  <a:cs typeface="Tahoma" panose="020B0604030504040204" pitchFamily="34" charset="0"/>
+                </a:rPr>
+                <a:t>2</a:t>
+              </a:r>
+            </a:p>
+          </p:txBody>
+        </p:sp>
+      </p:grpSp>
+      <p:grpSp>
+        <p:nvGrpSpPr>
+          <p:cNvPr id="40" name="Group 39">
+            <a:extLst>
+              <a:ext uri="{FF2B5EF4-FFF2-40B4-BE49-F238E27FC236}">
+                <a16:creationId xmlns:a16="http://schemas.microsoft.com/office/drawing/2014/main" id="{3BD597AA-7509-45D7-A01B-FE911EFF7336}"/>
+              </a:ext>
+            </a:extLst>
+          </p:cNvPr>
+          <p:cNvGrpSpPr/>
+          <p:nvPr/>
+        </p:nvGrpSpPr>
+        <p:grpSpPr>
+          <a:xfrm>
+            <a:off x="6925784" y="4030685"/>
+            <a:ext cx="1093318" cy="374422"/>
+            <a:chOff x="6925784" y="4310609"/>
+            <a:chExt cx="1093318" cy="374422"/>
+          </a:xfrm>
+        </p:grpSpPr>
+        <p:sp>
+          <p:nvSpPr>
+            <p:cNvPr id="11" name="Arrow: Right 10">
+              <a:extLst>
+                <a:ext uri="{FF2B5EF4-FFF2-40B4-BE49-F238E27FC236}">
+                  <a16:creationId xmlns:a16="http://schemas.microsoft.com/office/drawing/2014/main" id="{D005DA57-D162-4264-A3B0-0D808974B935}"/>
+                </a:ext>
+              </a:extLst>
+            </p:cNvPr>
+            <p:cNvSpPr/>
+            <p:nvPr/>
+          </p:nvSpPr>
+          <p:spPr>
+            <a:xfrm rot="10800000">
+              <a:off x="6925784" y="4310609"/>
+              <a:ext cx="1093318" cy="374422"/>
+            </a:xfrm>
+            <a:prstGeom prst="rightArrow">
+              <a:avLst/>
+            </a:prstGeom>
+            <a:gradFill flip="none" rotWithShape="1">
+              <a:gsLst>
+                <a:gs pos="0">
+                  <a:schemeClr val="accent6">
+                    <a:lumMod val="60000"/>
+                    <a:lumOff val="40000"/>
+                    <a:shade val="30000"/>
+                    <a:satMod val="115000"/>
+                  </a:schemeClr>
+                </a:gs>
+                <a:gs pos="50000">
+                  <a:schemeClr val="accent6">
+                    <a:lumMod val="60000"/>
+                    <a:lumOff val="40000"/>
+                    <a:shade val="67500"/>
+                    <a:satMod val="115000"/>
+                  </a:schemeClr>
+                </a:gs>
+                <a:gs pos="100000">
+                  <a:schemeClr val="accent6">
+                    <a:lumMod val="60000"/>
+                    <a:lumOff val="40000"/>
+                    <a:shade val="100000"/>
+                    <a:satMod val="115000"/>
+                  </a:schemeClr>
+                </a:gs>
+              </a:gsLst>
+              <a:lin ang="2700000" scaled="1"/>
+              <a:tileRect/>
+            </a:gradFill>
+            <a:ln>
+              <a:solidFill>
+                <a:srgbClr val="92D050"/>
+              </a:solidFill>
+            </a:ln>
+          </p:spPr>
+          <p:style>
+            <a:lnRef idx="2">
+              <a:schemeClr val="accent1">
+                <a:shade val="50000"/>
+              </a:schemeClr>
+            </a:lnRef>
+            <a:fillRef idx="1">
+              <a:schemeClr val="accent1"/>
+            </a:fillRef>
+            <a:effectRef idx="0">
+              <a:schemeClr val="accent1"/>
+            </a:effectRef>
+            <a:fontRef idx="minor">
+              <a:schemeClr val="lt1"/>
+            </a:fontRef>
+          </p:style>
+          <p:txBody>
+            <a:bodyPr rtlCol="0" anchor="ctr"/>
+            <a:lstStyle/>
+            <a:p>
+              <a:pPr algn="ctr"/>
+              <a:endParaRPr lang="en-AU">
+                <a:solidFill>
+                  <a:prstClr val="white"/>
+                </a:solidFill>
+                <a:latin typeface="Calibri" panose="020F0502020204030204"/>
+              </a:endParaRPr>
+            </a:p>
+          </p:txBody>
+        </p:sp>
+        <p:sp>
+          <p:nvSpPr>
+            <p:cNvPr id="20" name="Oval 19">
+              <a:extLst>
+                <a:ext uri="{FF2B5EF4-FFF2-40B4-BE49-F238E27FC236}">
+                  <a16:creationId xmlns:a16="http://schemas.microsoft.com/office/drawing/2014/main" id="{46B70E58-8E2F-4ED0-A901-F3BF4BD86A63}"/>
+                </a:ext>
+              </a:extLst>
+            </p:cNvPr>
+            <p:cNvSpPr/>
+            <p:nvPr/>
+          </p:nvSpPr>
+          <p:spPr>
+            <a:xfrm>
+              <a:off x="7321847" y="4403205"/>
+              <a:ext cx="205567" cy="199142"/>
+            </a:xfrm>
+            <a:prstGeom prst="ellipse">
+              <a:avLst/>
+            </a:prstGeom>
+            <a:solidFill>
+              <a:schemeClr val="accent5">
+                <a:lumMod val="75000"/>
+              </a:schemeClr>
+            </a:solidFill>
+          </p:spPr>
+          <p:style>
+            <a:lnRef idx="2">
+              <a:schemeClr val="accent1">
+                <a:shade val="50000"/>
+              </a:schemeClr>
+            </a:lnRef>
+            <a:fillRef idx="1">
+              <a:schemeClr val="accent1"/>
+            </a:fillRef>
+            <a:effectRef idx="0">
+              <a:schemeClr val="accent1"/>
+            </a:effectRef>
+            <a:fontRef idx="minor">
+              <a:schemeClr val="lt1"/>
+            </a:fontRef>
+          </p:style>
+          <p:txBody>
+            <a:bodyPr rtlCol="0" anchor="ctr"/>
+            <a:lstStyle/>
+            <a:p>
+              <a:pPr algn="ctr"/>
+              <a:r>
+                <a:rPr lang="en-AU" sz="1100" dirty="0">
+                  <a:solidFill>
+                    <a:schemeClr val="bg1"/>
+                  </a:solidFill>
+                  <a:latin typeface="Verdana" panose="020B0604030504040204" pitchFamily="34" charset="0"/>
+                  <a:ea typeface="Verdana" panose="020B0604030504040204" pitchFamily="34" charset="0"/>
+                  <a:cs typeface="Tahoma" panose="020B0604030504040204" pitchFamily="34" charset="0"/>
+                </a:rPr>
+                <a:t>3</a:t>
+              </a:r>
+            </a:p>
+          </p:txBody>
+        </p:sp>
+      </p:grpSp>
+      <p:grpSp>
+        <p:nvGrpSpPr>
+          <p:cNvPr id="41" name="Group 40">
+            <a:extLst>
+              <a:ext uri="{FF2B5EF4-FFF2-40B4-BE49-F238E27FC236}">
+                <a16:creationId xmlns:a16="http://schemas.microsoft.com/office/drawing/2014/main" id="{4B9ED30F-84A0-4A28-BC8B-9ED27805B08A}"/>
+              </a:ext>
+            </a:extLst>
+          </p:cNvPr>
+          <p:cNvGrpSpPr/>
+          <p:nvPr/>
+        </p:nvGrpSpPr>
+        <p:grpSpPr>
+          <a:xfrm>
+            <a:off x="4153976" y="5037759"/>
+            <a:ext cx="1125793" cy="397165"/>
+            <a:chOff x="4153976" y="5317683"/>
+            <a:chExt cx="1125793" cy="397165"/>
+          </a:xfrm>
+        </p:grpSpPr>
+        <p:sp>
+          <p:nvSpPr>
+            <p:cNvPr id="18" name="Arrow: Right 17">
+              <a:extLst>
+                <a:ext uri="{FF2B5EF4-FFF2-40B4-BE49-F238E27FC236}">
+                  <a16:creationId xmlns:a16="http://schemas.microsoft.com/office/drawing/2014/main" id="{17F6C807-66AE-4326-8F99-6DFAAC49E839}"/>
+                </a:ext>
+              </a:extLst>
+            </p:cNvPr>
+            <p:cNvSpPr/>
+            <p:nvPr/>
+          </p:nvSpPr>
+          <p:spPr>
+            <a:xfrm rot="10800000">
+              <a:off x="4153976" y="5317683"/>
+              <a:ext cx="1125793" cy="397165"/>
+            </a:xfrm>
+            <a:prstGeom prst="rightArrow">
+              <a:avLst/>
+            </a:prstGeom>
+            <a:gradFill flip="none" rotWithShape="1">
+              <a:gsLst>
+                <a:gs pos="0">
+                  <a:schemeClr val="accent6">
+                    <a:lumMod val="60000"/>
+                    <a:lumOff val="40000"/>
+                    <a:shade val="30000"/>
+                    <a:satMod val="115000"/>
+                  </a:schemeClr>
+                </a:gs>
+                <a:gs pos="50000">
+                  <a:schemeClr val="accent6">
+                    <a:lumMod val="60000"/>
+                    <a:lumOff val="40000"/>
+                    <a:shade val="67500"/>
+                    <a:satMod val="115000"/>
+                  </a:schemeClr>
+                </a:gs>
+                <a:gs pos="100000">
+                  <a:schemeClr val="accent6">
+                    <a:lumMod val="60000"/>
+                    <a:lumOff val="40000"/>
+                    <a:shade val="100000"/>
+                    <a:satMod val="115000"/>
+                  </a:schemeClr>
+                </a:gs>
+              </a:gsLst>
+              <a:lin ang="2700000" scaled="1"/>
+              <a:tileRect/>
+            </a:gradFill>
+            <a:ln>
+              <a:solidFill>
+                <a:srgbClr val="92D050"/>
+              </a:solidFill>
+            </a:ln>
+          </p:spPr>
+          <p:style>
+            <a:lnRef idx="2">
+              <a:schemeClr val="accent1">
+                <a:shade val="50000"/>
+              </a:schemeClr>
+            </a:lnRef>
+            <a:fillRef idx="1">
+              <a:schemeClr val="accent1"/>
+            </a:fillRef>
+            <a:effectRef idx="0">
+              <a:schemeClr val="accent1"/>
+            </a:effectRef>
+            <a:fontRef idx="minor">
+              <a:schemeClr val="lt1"/>
+            </a:fontRef>
+          </p:style>
+          <p:txBody>
+            <a:bodyPr rtlCol="0" anchor="ctr"/>
+            <a:lstStyle/>
+            <a:p>
+              <a:pPr marL="0" marR="0" lvl="0" indent="0" algn="ctr" defTabSz="914400" rtl="0" eaLnBrk="1" fontAlgn="auto" latinLnBrk="0" hangingPunct="1">
+                <a:lnSpc>
+                  <a:spcPct val="100000"/>
+                </a:lnSpc>
+                <a:spcBef>
+                  <a:spcPts val="0"/>
+                </a:spcBef>
+                <a:spcAft>
+                  <a:spcPts val="0"/>
+                </a:spcAft>
+                <a:buClrTx/>
+                <a:buSzTx/>
+                <a:buFontTx/>
+                <a:buNone/>
+                <a:tabLst/>
+                <a:defRPr/>
+              </a:pPr>
+              <a:endParaRPr kumimoji="0" lang="en-AU" sz="1800" b="0" i="0" u="none" strike="noStrike" kern="1200" cap="none" spc="0" normalizeH="0" baseline="0" noProof="0">
+                <a:ln>
+                  <a:noFill/>
+                </a:ln>
+                <a:solidFill>
+                  <a:prstClr val="white"/>
+                </a:solidFill>
+                <a:effectLst/>
+                <a:uLnTx/>
+                <a:uFillTx/>
+                <a:latin typeface="Calibri" panose="020F0502020204030204"/>
+                <a:ea typeface="+mn-ea"/>
+                <a:cs typeface="+mn-cs"/>
+              </a:endParaRPr>
+            </a:p>
+          </p:txBody>
+        </p:sp>
+        <p:sp>
+          <p:nvSpPr>
+            <p:cNvPr id="26" name="Oval 25">
+              <a:extLst>
+                <a:ext uri="{FF2B5EF4-FFF2-40B4-BE49-F238E27FC236}">
+                  <a16:creationId xmlns:a16="http://schemas.microsoft.com/office/drawing/2014/main" id="{24501A97-35B4-4E47-82EF-D38A8A7C4AD8}"/>
+                </a:ext>
+              </a:extLst>
+            </p:cNvPr>
+            <p:cNvSpPr/>
+            <p:nvPr/>
+          </p:nvSpPr>
+          <p:spPr>
+            <a:xfrm>
+              <a:off x="4557548" y="5416695"/>
+              <a:ext cx="205567" cy="199142"/>
+            </a:xfrm>
+            <a:prstGeom prst="ellipse">
+              <a:avLst/>
+            </a:prstGeom>
+            <a:solidFill>
+              <a:schemeClr val="accent5">
+                <a:lumMod val="75000"/>
+              </a:schemeClr>
+            </a:solidFill>
+          </p:spPr>
+          <p:style>
+            <a:lnRef idx="2">
+              <a:schemeClr val="accent1">
+                <a:shade val="50000"/>
+              </a:schemeClr>
+            </a:lnRef>
+            <a:fillRef idx="1">
+              <a:schemeClr val="accent1"/>
+            </a:fillRef>
+            <a:effectRef idx="0">
+              <a:schemeClr val="accent1"/>
+            </a:effectRef>
+            <a:fontRef idx="minor">
+              <a:schemeClr val="lt1"/>
+            </a:fontRef>
+          </p:style>
+          <p:txBody>
+            <a:bodyPr rtlCol="0" anchor="ctr"/>
+            <a:lstStyle/>
+            <a:p>
+              <a:pPr algn="ctr"/>
+              <a:r>
+                <a:rPr lang="en-AU" sz="1100" dirty="0">
+                  <a:solidFill>
+                    <a:schemeClr val="bg1"/>
+                  </a:solidFill>
+                  <a:latin typeface="Verdana" panose="020B0604030504040204" pitchFamily="34" charset="0"/>
+                  <a:ea typeface="Verdana" panose="020B0604030504040204" pitchFamily="34" charset="0"/>
+                  <a:cs typeface="Tahoma" panose="020B0604030504040204" pitchFamily="34" charset="0"/>
+                </a:rPr>
+                <a:t>4</a:t>
+              </a:r>
+            </a:p>
+          </p:txBody>
+        </p:sp>
+      </p:grpSp>
+      <p:grpSp>
+        <p:nvGrpSpPr>
+          <p:cNvPr id="42" name="Group 41">
+            <a:extLst>
+              <a:ext uri="{FF2B5EF4-FFF2-40B4-BE49-F238E27FC236}">
+                <a16:creationId xmlns:a16="http://schemas.microsoft.com/office/drawing/2014/main" id="{6E574F4C-A6DA-48FC-BDE4-D9A64BB8D316}"/>
+              </a:ext>
+            </a:extLst>
+          </p:cNvPr>
+          <p:cNvGrpSpPr/>
+          <p:nvPr/>
+        </p:nvGrpSpPr>
+        <p:grpSpPr>
+          <a:xfrm>
+            <a:off x="662771" y="1465047"/>
+            <a:ext cx="805740" cy="3786007"/>
+            <a:chOff x="662771" y="1744971"/>
+            <a:chExt cx="805740" cy="3786007"/>
+          </a:xfrm>
+        </p:grpSpPr>
+        <p:sp>
+          <p:nvSpPr>
+            <p:cNvPr id="7" name="Arrow: Bent 6">
+              <a:extLst>
+                <a:ext uri="{FF2B5EF4-FFF2-40B4-BE49-F238E27FC236}">
+                  <a16:creationId xmlns:a16="http://schemas.microsoft.com/office/drawing/2014/main" id="{973FCAE7-6B16-4FA8-B7B8-7E6D61014F7F}"/>
+                </a:ext>
+              </a:extLst>
+            </p:cNvPr>
+            <p:cNvSpPr/>
+            <p:nvPr/>
+          </p:nvSpPr>
+          <p:spPr>
+            <a:xfrm rot="16200000">
+              <a:off x="-827363" y="3235105"/>
+              <a:ext cx="3786007" cy="805740"/>
+            </a:xfrm>
+            <a:prstGeom prst="bentArrow">
+              <a:avLst/>
+            </a:prstGeom>
+            <a:gradFill flip="none" rotWithShape="1">
+              <a:gsLst>
+                <a:gs pos="0">
+                  <a:schemeClr val="accent6">
+                    <a:lumMod val="60000"/>
+                    <a:lumOff val="40000"/>
+                    <a:shade val="30000"/>
+                    <a:satMod val="115000"/>
+                  </a:schemeClr>
+                </a:gs>
+                <a:gs pos="50000">
+                  <a:schemeClr val="accent6">
+                    <a:lumMod val="60000"/>
+                    <a:lumOff val="40000"/>
+                    <a:shade val="67500"/>
+                    <a:satMod val="115000"/>
+                  </a:schemeClr>
+                </a:gs>
+                <a:gs pos="100000">
+                  <a:schemeClr val="accent6">
+                    <a:lumMod val="60000"/>
+                    <a:lumOff val="40000"/>
+                    <a:shade val="100000"/>
+                    <a:satMod val="115000"/>
+                  </a:schemeClr>
+                </a:gs>
+              </a:gsLst>
+              <a:lin ang="2700000" scaled="1"/>
+              <a:tileRect/>
+            </a:gradFill>
+            <a:ln>
+              <a:solidFill>
+                <a:srgbClr val="92D050"/>
+              </a:solidFill>
+            </a:ln>
+          </p:spPr>
+          <p:style>
+            <a:lnRef idx="2">
+              <a:schemeClr val="accent1">
+                <a:shade val="50000"/>
+              </a:schemeClr>
+            </a:lnRef>
+            <a:fillRef idx="1">
+              <a:schemeClr val="accent1"/>
+            </a:fillRef>
+            <a:effectRef idx="0">
+              <a:schemeClr val="accent1"/>
+            </a:effectRef>
+            <a:fontRef idx="minor">
+              <a:schemeClr val="lt1"/>
+            </a:fontRef>
+          </p:style>
+          <p:txBody>
+            <a:bodyPr rtlCol="0" anchor="ctr"/>
+            <a:lstStyle/>
+            <a:p>
+              <a:pPr algn="ctr"/>
+              <a:endParaRPr lang="en-AU">
+                <a:solidFill>
+                  <a:prstClr val="white"/>
+                </a:solidFill>
+                <a:latin typeface="Calibri" panose="020F0502020204030204"/>
+              </a:endParaRPr>
+            </a:p>
+          </p:txBody>
+        </p:sp>
+        <p:sp>
+          <p:nvSpPr>
+            <p:cNvPr id="30" name="Oval 29">
+              <a:extLst>
+                <a:ext uri="{FF2B5EF4-FFF2-40B4-BE49-F238E27FC236}">
+                  <a16:creationId xmlns:a16="http://schemas.microsoft.com/office/drawing/2014/main" id="{20B3BFFC-2F98-4429-B243-CE0293FB992B}"/>
+                </a:ext>
+              </a:extLst>
+            </p:cNvPr>
+            <p:cNvSpPr/>
+            <p:nvPr/>
+          </p:nvSpPr>
+          <p:spPr>
+            <a:xfrm>
+              <a:off x="761946" y="3640590"/>
+              <a:ext cx="205567" cy="199142"/>
+            </a:xfrm>
+            <a:prstGeom prst="ellipse">
+              <a:avLst/>
+            </a:prstGeom>
+            <a:solidFill>
+              <a:schemeClr val="accent5">
+                <a:lumMod val="75000"/>
+              </a:schemeClr>
+            </a:solidFill>
+          </p:spPr>
+          <p:style>
+            <a:lnRef idx="2">
+              <a:schemeClr val="accent1">
+                <a:shade val="50000"/>
+              </a:schemeClr>
+            </a:lnRef>
+            <a:fillRef idx="1">
+              <a:schemeClr val="accent1"/>
+            </a:fillRef>
+            <a:effectRef idx="0">
+              <a:schemeClr val="accent1"/>
+            </a:effectRef>
+            <a:fontRef idx="minor">
+              <a:schemeClr val="lt1"/>
+            </a:fontRef>
+          </p:style>
+          <p:txBody>
+            <a:bodyPr rtlCol="0" anchor="ctr"/>
+            <a:lstStyle/>
+            <a:p>
+              <a:pPr algn="ctr"/>
+              <a:r>
+                <a:rPr lang="en-AU" sz="1100" dirty="0">
+                  <a:solidFill>
+                    <a:schemeClr val="bg1"/>
+                  </a:solidFill>
+                  <a:latin typeface="Verdana" panose="020B0604030504040204" pitchFamily="34" charset="0"/>
+                  <a:ea typeface="Verdana" panose="020B0604030504040204" pitchFamily="34" charset="0"/>
+                  <a:cs typeface="Tahoma" panose="020B0604030504040204" pitchFamily="34" charset="0"/>
+                </a:rPr>
+                <a:t>5</a:t>
+              </a:r>
+            </a:p>
+          </p:txBody>
+        </p:sp>
+      </p:grpSp>
+    </p:spTree>
+    <p:extLst>
+      <p:ext uri="{BB962C8B-B14F-4D97-AF65-F5344CB8AC3E}">
+        <p14:creationId xmlns:p14="http://schemas.microsoft.com/office/powerpoint/2010/main" val="1001371683"/>
       </p:ext>
     </p:extLst>
   </p:cSld>
